--- a/ptycho/notes/GPU_MS_obj_init_example.pptx
+++ b/ptycho/notes/GPU_MS_obj_init_example.pptx
@@ -5,7 +5,7 @@
     <p:sldMasterId id="2147483648" r:id="rId1"/>
   </p:sldMasterIdLst>
   <p:notesMasterIdLst>
-    <p:notesMasterId r:id="rId12"/>
+    <p:notesMasterId r:id="rId13"/>
   </p:notesMasterIdLst>
   <p:sldIdLst>
     <p:sldId id="256" r:id="rId2"/>
@@ -16,8 +16,9 @@
     <p:sldId id="261" r:id="rId7"/>
     <p:sldId id="262" r:id="rId8"/>
     <p:sldId id="263" r:id="rId9"/>
-    <p:sldId id="265" r:id="rId10"/>
-    <p:sldId id="264" r:id="rId11"/>
+    <p:sldId id="266" r:id="rId10"/>
+    <p:sldId id="265" r:id="rId11"/>
+    <p:sldId id="264" r:id="rId12"/>
   </p:sldIdLst>
   <p:sldSz cx="12192000" cy="6858000"/>
   <p:notesSz cx="6858000" cy="9144000"/>
@@ -116,6 +117,11 @@
       </a:defRPr>
     </a:lvl9pPr>
   </p:defaultTextStyle>
+  <p:extLst>
+    <p:ext uri="{EFAFB233-063F-42B5-8137-9DF3F51BA10A}">
+      <p15:sldGuideLst xmlns:p15="http://schemas.microsoft.com/office/powerpoint/2012/main"/>
+    </p:ext>
+  </p:extLst>
 </p:presentation>
 </file>
 
@@ -201,7 +207,7 @@
           <a:p>
             <a:fld id="{3B76184A-690F-2D4B-8F13-A25EC1FE8F85}" type="datetimeFigureOut">
               <a:rPr lang="en-US" smtClean="0"/>
-              <a:t>1/19/21</a:t>
+              <a:t>6/4/21</a:t>
             </a:fld>
             <a:endParaRPr lang="en-US"/>
           </a:p>
@@ -552,6 +558,90 @@
 </p:notes>
 </file>
 
+<file path=ppt/notesSlides/notesSlide2.xml><?xml version="1.0" encoding="utf-8"?>
+<p:notes xmlns:a="http://schemas.openxmlformats.org/drawingml/2006/main" xmlns:r="http://schemas.openxmlformats.org/officeDocument/2006/relationships" xmlns:p="http://schemas.openxmlformats.org/presentationml/2006/main">
+  <p:cSld>
+    <p:spTree>
+      <p:nvGrpSpPr>
+        <p:cNvPr id="1" name=""/>
+        <p:cNvGrpSpPr/>
+        <p:nvPr/>
+      </p:nvGrpSpPr>
+      <p:grpSpPr>
+        <a:xfrm>
+          <a:off x="0" y="0"/>
+          <a:ext cx="0" cy="0"/>
+          <a:chOff x="0" y="0"/>
+          <a:chExt cx="0" cy="0"/>
+        </a:xfrm>
+      </p:grpSpPr>
+      <p:sp>
+        <p:nvSpPr>
+          <p:cNvPr id="2" name="Slide Image Placeholder 1"/>
+          <p:cNvSpPr>
+            <a:spLocks noGrp="1" noRot="1" noChangeAspect="1"/>
+          </p:cNvSpPr>
+          <p:nvPr>
+            <p:ph type="sldImg"/>
+          </p:nvPr>
+        </p:nvSpPr>
+        <p:spPr/>
+      </p:sp>
+      <p:sp>
+        <p:nvSpPr>
+          <p:cNvPr id="3" name="Notes Placeholder 2"/>
+          <p:cNvSpPr>
+            <a:spLocks noGrp="1"/>
+          </p:cNvSpPr>
+          <p:nvPr>
+            <p:ph type="body" idx="1"/>
+          </p:nvPr>
+        </p:nvSpPr>
+        <p:spPr/>
+        <p:txBody>
+          <a:bodyPr/>
+          <a:lstStyle/>
+          <a:p>
+            <a:endParaRPr lang="en-US" dirty="0"/>
+          </a:p>
+        </p:txBody>
+      </p:sp>
+      <p:sp>
+        <p:nvSpPr>
+          <p:cNvPr id="4" name="Slide Number Placeholder 3"/>
+          <p:cNvSpPr>
+            <a:spLocks noGrp="1"/>
+          </p:cNvSpPr>
+          <p:nvPr>
+            <p:ph type="sldNum" sz="quarter" idx="5"/>
+          </p:nvPr>
+        </p:nvSpPr>
+        <p:spPr/>
+        <p:txBody>
+          <a:bodyPr/>
+          <a:lstStyle/>
+          <a:p>
+            <a:fld id="{43EEF521-1875-D24C-AF74-1F2A520D6E49}" type="slidenum">
+              <a:rPr lang="en-US" smtClean="0"/>
+              <a:t>9</a:t>
+            </a:fld>
+            <a:endParaRPr lang="en-US"/>
+          </a:p>
+        </p:txBody>
+      </p:sp>
+    </p:spTree>
+    <p:extLst>
+      <p:ext uri="{BB962C8B-B14F-4D97-AF65-F5344CB8AC3E}">
+        <p14:creationId xmlns:p14="http://schemas.microsoft.com/office/powerpoint/2010/main" val="3453706260"/>
+      </p:ext>
+    </p:extLst>
+  </p:cSld>
+  <p:clrMapOvr>
+    <a:masterClrMapping/>
+  </p:clrMapOvr>
+</p:notes>
+</file>
+
 <file path=ppt/slideLayouts/slideLayout1.xml><?xml version="1.0" encoding="utf-8"?>
 <p:sldLayout xmlns:a="http://schemas.openxmlformats.org/drawingml/2006/main" xmlns:r="http://schemas.openxmlformats.org/officeDocument/2006/relationships" xmlns:p="http://schemas.openxmlformats.org/presentationml/2006/main" type="title" preserve="1">
   <p:cSld name="Title Slide">
@@ -699,7 +789,7 @@
           <a:p>
             <a:fld id="{9AB416B6-4EAF-A447-9EFC-D4C76213FA63}" type="datetimeFigureOut">
               <a:rPr lang="en-US" smtClean="0"/>
-              <a:t>1/19/21</a:t>
+              <a:t>6/4/21</a:t>
             </a:fld>
             <a:endParaRPr lang="en-US"/>
           </a:p>
@@ -897,7 +987,7 @@
           <a:p>
             <a:fld id="{9AB416B6-4EAF-A447-9EFC-D4C76213FA63}" type="datetimeFigureOut">
               <a:rPr lang="en-US" smtClean="0"/>
-              <a:t>1/19/21</a:t>
+              <a:t>6/4/21</a:t>
             </a:fld>
             <a:endParaRPr lang="en-US"/>
           </a:p>
@@ -1105,7 +1195,7 @@
           <a:p>
             <a:fld id="{9AB416B6-4EAF-A447-9EFC-D4C76213FA63}" type="datetimeFigureOut">
               <a:rPr lang="en-US" smtClean="0"/>
-              <a:t>1/19/21</a:t>
+              <a:t>6/4/21</a:t>
             </a:fld>
             <a:endParaRPr lang="en-US"/>
           </a:p>
@@ -1303,7 +1393,7 @@
           <a:p>
             <a:fld id="{9AB416B6-4EAF-A447-9EFC-D4C76213FA63}" type="datetimeFigureOut">
               <a:rPr lang="en-US" smtClean="0"/>
-              <a:t>1/19/21</a:t>
+              <a:t>6/4/21</a:t>
             </a:fld>
             <a:endParaRPr lang="en-US"/>
           </a:p>
@@ -1578,7 +1668,7 @@
           <a:p>
             <a:fld id="{9AB416B6-4EAF-A447-9EFC-D4C76213FA63}" type="datetimeFigureOut">
               <a:rPr lang="en-US" smtClean="0"/>
-              <a:t>1/19/21</a:t>
+              <a:t>6/4/21</a:t>
             </a:fld>
             <a:endParaRPr lang="en-US"/>
           </a:p>
@@ -1843,7 +1933,7 @@
           <a:p>
             <a:fld id="{9AB416B6-4EAF-A447-9EFC-D4C76213FA63}" type="datetimeFigureOut">
               <a:rPr lang="en-US" smtClean="0"/>
-              <a:t>1/19/21</a:t>
+              <a:t>6/4/21</a:t>
             </a:fld>
             <a:endParaRPr lang="en-US"/>
           </a:p>
@@ -2255,7 +2345,7 @@
           <a:p>
             <a:fld id="{9AB416B6-4EAF-A447-9EFC-D4C76213FA63}" type="datetimeFigureOut">
               <a:rPr lang="en-US" smtClean="0"/>
-              <a:t>1/19/21</a:t>
+              <a:t>6/4/21</a:t>
             </a:fld>
             <a:endParaRPr lang="en-US"/>
           </a:p>
@@ -2396,7 +2486,7 @@
           <a:p>
             <a:fld id="{9AB416B6-4EAF-A447-9EFC-D4C76213FA63}" type="datetimeFigureOut">
               <a:rPr lang="en-US" smtClean="0"/>
-              <a:t>1/19/21</a:t>
+              <a:t>6/4/21</a:t>
             </a:fld>
             <a:endParaRPr lang="en-US"/>
           </a:p>
@@ -2509,7 +2599,7 @@
           <a:p>
             <a:fld id="{9AB416B6-4EAF-A447-9EFC-D4C76213FA63}" type="datetimeFigureOut">
               <a:rPr lang="en-US" smtClean="0"/>
-              <a:t>1/19/21</a:t>
+              <a:t>6/4/21</a:t>
             </a:fld>
             <a:endParaRPr lang="en-US"/>
           </a:p>
@@ -2820,7 +2910,7 @@
           <a:p>
             <a:fld id="{9AB416B6-4EAF-A447-9EFC-D4C76213FA63}" type="datetimeFigureOut">
               <a:rPr lang="en-US" smtClean="0"/>
-              <a:t>1/19/21</a:t>
+              <a:t>6/4/21</a:t>
             </a:fld>
             <a:endParaRPr lang="en-US"/>
           </a:p>
@@ -3108,7 +3198,7 @@
           <a:p>
             <a:fld id="{9AB416B6-4EAF-A447-9EFC-D4C76213FA63}" type="datetimeFigureOut">
               <a:rPr lang="en-US" smtClean="0"/>
-              <a:t>1/19/21</a:t>
+              <a:t>6/4/21</a:t>
             </a:fld>
             <a:endParaRPr lang="en-US"/>
           </a:p>
@@ -3349,7 +3439,7 @@
           <a:p>
             <a:fld id="{9AB416B6-4EAF-A447-9EFC-D4C76213FA63}" type="datetimeFigureOut">
               <a:rPr lang="en-US" smtClean="0"/>
-              <a:t>1/19/21</a:t>
+              <a:t>6/4/21</a:t>
             </a:fld>
             <a:endParaRPr lang="en-US"/>
           </a:p>
@@ -3825,6 +3915,12 @@
               <a:t>Yi Jiang</a:t>
             </a:r>
           </a:p>
+          <a:p>
+            <a:r>
+              <a:rPr lang="en-US" dirty="0"/>
+              <a:t>06/02/2021</a:t>
+            </a:r>
+          </a:p>
         </p:txBody>
       </p:sp>
     </p:spTree>
@@ -3841,6 +3937,1276 @@
 </file>
 
 <file path=ppt/slides/slide10.xml><?xml version="1.0" encoding="utf-8"?>
+<p:sld xmlns:a="http://schemas.openxmlformats.org/drawingml/2006/main" xmlns:r="http://schemas.openxmlformats.org/officeDocument/2006/relationships" xmlns:p="http://schemas.openxmlformats.org/presentationml/2006/main">
+  <p:cSld>
+    <p:spTree>
+      <p:nvGrpSpPr>
+        <p:cNvPr id="1" name=""/>
+        <p:cNvGrpSpPr/>
+        <p:nvPr/>
+      </p:nvGrpSpPr>
+      <p:grpSpPr>
+        <a:xfrm>
+          <a:off x="0" y="0"/>
+          <a:ext cx="0" cy="0"/>
+          <a:chOff x="0" y="0"/>
+          <a:chExt cx="0" cy="0"/>
+        </a:xfrm>
+      </p:grpSpPr>
+      <p:sp>
+        <p:nvSpPr>
+          <p:cNvPr id="4" name="TextBox 3">
+            <a:extLst>
+              <a:ext uri="{FF2B5EF4-FFF2-40B4-BE49-F238E27FC236}">
+                <a16:creationId xmlns:a16="http://schemas.microsoft.com/office/drawing/2014/main" id="{CC98A2A3-A7CC-F249-9E93-B5710B0FFF33}"/>
+              </a:ext>
+            </a:extLst>
+          </p:cNvPr>
+          <p:cNvSpPr txBox="1"/>
+          <p:nvPr/>
+        </p:nvSpPr>
+        <p:spPr>
+          <a:xfrm>
+            <a:off x="903410" y="769377"/>
+            <a:ext cx="2624180" cy="1323439"/>
+          </a:xfrm>
+          <a:prstGeom prst="rect">
+            <a:avLst/>
+          </a:prstGeom>
+          <a:noFill/>
+        </p:spPr>
+        <p:txBody>
+          <a:bodyPr wrap="none" rtlCol="0">
+            <a:spAutoFit/>
+          </a:bodyPr>
+          <a:lstStyle/>
+          <a:p>
+            <a:r>
+              <a:rPr lang="en-US" sz="2000" dirty="0"/>
+              <a:t>Input object file:</a:t>
+            </a:r>
+          </a:p>
+          <a:p>
+            <a:r>
+              <a:rPr lang="en-US" sz="2000" dirty="0" err="1"/>
+              <a:t>Nlayers</a:t>
+            </a:r>
+            <a:r>
+              <a:rPr lang="en-US" sz="2000" dirty="0"/>
+              <a:t> = 5</a:t>
+            </a:r>
+          </a:p>
+          <a:p>
+            <a:r>
+              <a:rPr lang="en-US" sz="2000" dirty="0" err="1"/>
+              <a:t>dz</a:t>
+            </a:r>
+            <a:r>
+              <a:rPr lang="en-US" sz="2000" dirty="0"/>
+              <a:t> = 8 </a:t>
+            </a:r>
+            <a:r>
+              <a:rPr lang="en-US" sz="2000" dirty="0" err="1"/>
+              <a:t>μm</a:t>
+            </a:r>
+            <a:endParaRPr lang="en-US" sz="2000" dirty="0"/>
+          </a:p>
+          <a:p>
+            <a:r>
+              <a:rPr lang="en-US" sz="2000" dirty="0"/>
+              <a:t>Total thickness = 40 </a:t>
+            </a:r>
+            <a:r>
+              <a:rPr lang="en-US" sz="2000" dirty="0" err="1"/>
+              <a:t>μm</a:t>
+            </a:r>
+            <a:endParaRPr lang="en-US" sz="2000" dirty="0"/>
+          </a:p>
+        </p:txBody>
+      </p:sp>
+      <p:sp>
+        <p:nvSpPr>
+          <p:cNvPr id="5" name="TextBox 4">
+            <a:extLst>
+              <a:ext uri="{FF2B5EF4-FFF2-40B4-BE49-F238E27FC236}">
+                <a16:creationId xmlns:a16="http://schemas.microsoft.com/office/drawing/2014/main" id="{B55F23B3-C448-9443-A57D-C09F154DDEBB}"/>
+              </a:ext>
+            </a:extLst>
+          </p:cNvPr>
+          <p:cNvSpPr txBox="1"/>
+          <p:nvPr/>
+        </p:nvSpPr>
+        <p:spPr>
+          <a:xfrm>
+            <a:off x="8025127" y="773899"/>
+            <a:ext cx="3489097" cy="1323439"/>
+          </a:xfrm>
+          <a:prstGeom prst="rect">
+            <a:avLst/>
+          </a:prstGeom>
+          <a:noFill/>
+        </p:spPr>
+        <p:txBody>
+          <a:bodyPr wrap="none" rtlCol="0">
+            <a:spAutoFit/>
+          </a:bodyPr>
+          <a:lstStyle/>
+          <a:p>
+            <a:r>
+              <a:rPr lang="en-US" sz="2000" dirty="0"/>
+              <a:t>Initial object for reconstruction:</a:t>
+            </a:r>
+          </a:p>
+          <a:p>
+            <a:r>
+              <a:rPr lang="en-US" sz="2000" dirty="0" err="1"/>
+              <a:t>Nlayers</a:t>
+            </a:r>
+            <a:r>
+              <a:rPr lang="en-US" sz="2000" dirty="0"/>
+              <a:t> = 10</a:t>
+            </a:r>
+          </a:p>
+          <a:p>
+            <a:r>
+              <a:rPr lang="en-US" sz="2000" dirty="0" err="1"/>
+              <a:t>dz</a:t>
+            </a:r>
+            <a:r>
+              <a:rPr lang="en-US" sz="2000" dirty="0"/>
+              <a:t> = 4 </a:t>
+            </a:r>
+            <a:r>
+              <a:rPr lang="en-US" sz="2000" dirty="0" err="1"/>
+              <a:t>μm</a:t>
+            </a:r>
+            <a:endParaRPr lang="en-US" sz="2000" dirty="0"/>
+          </a:p>
+          <a:p>
+            <a:r>
+              <a:rPr lang="en-US" sz="2000" dirty="0"/>
+              <a:t>Total thickness = 40 </a:t>
+            </a:r>
+            <a:r>
+              <a:rPr lang="en-US" sz="2000" dirty="0" err="1"/>
+              <a:t>μm</a:t>
+            </a:r>
+            <a:endParaRPr lang="en-US" sz="2000" dirty="0"/>
+          </a:p>
+        </p:txBody>
+      </p:sp>
+      <p:cxnSp>
+        <p:nvCxnSpPr>
+          <p:cNvPr id="7" name="Straight Arrow Connector 6">
+            <a:extLst>
+              <a:ext uri="{FF2B5EF4-FFF2-40B4-BE49-F238E27FC236}">
+                <a16:creationId xmlns:a16="http://schemas.microsoft.com/office/drawing/2014/main" id="{834E263A-1500-3B4C-9D2C-21528AA672C6}"/>
+              </a:ext>
+            </a:extLst>
+          </p:cNvPr>
+          <p:cNvCxnSpPr>
+            <a:cxnSpLocks/>
+          </p:cNvCxnSpPr>
+          <p:nvPr/>
+        </p:nvCxnSpPr>
+        <p:spPr>
+          <a:xfrm>
+            <a:off x="4151870" y="1383615"/>
+            <a:ext cx="3521676" cy="0"/>
+          </a:xfrm>
+          <a:prstGeom prst="straightConnector1">
+            <a:avLst/>
+          </a:prstGeom>
+          <a:ln w="57150">
+            <a:solidFill>
+              <a:schemeClr val="tx1"/>
+            </a:solidFill>
+            <a:tailEnd type="triangle"/>
+          </a:ln>
+        </p:spPr>
+        <p:style>
+          <a:lnRef idx="1">
+            <a:schemeClr val="accent2"/>
+          </a:lnRef>
+          <a:fillRef idx="0">
+            <a:schemeClr val="accent2"/>
+          </a:fillRef>
+          <a:effectRef idx="0">
+            <a:schemeClr val="accent2"/>
+          </a:effectRef>
+          <a:fontRef idx="minor">
+            <a:schemeClr val="tx1"/>
+          </a:fontRef>
+        </p:style>
+      </p:cxnSp>
+      <p:sp>
+        <p:nvSpPr>
+          <p:cNvPr id="10" name="Rectangle 9">
+            <a:extLst>
+              <a:ext uri="{FF2B5EF4-FFF2-40B4-BE49-F238E27FC236}">
+                <a16:creationId xmlns:a16="http://schemas.microsoft.com/office/drawing/2014/main" id="{F4DF28F5-2329-C946-8DC8-7ABF31D823E6}"/>
+              </a:ext>
+            </a:extLst>
+          </p:cNvPr>
+          <p:cNvSpPr/>
+          <p:nvPr/>
+        </p:nvSpPr>
+        <p:spPr>
+          <a:xfrm>
+            <a:off x="903411" y="3169508"/>
+            <a:ext cx="2100649" cy="61784"/>
+          </a:xfrm>
+          <a:prstGeom prst="rect">
+            <a:avLst/>
+          </a:prstGeom>
+          <a:ln>
+            <a:noFill/>
+          </a:ln>
+        </p:spPr>
+        <p:style>
+          <a:lnRef idx="2">
+            <a:schemeClr val="accent1">
+              <a:shade val="50000"/>
+            </a:schemeClr>
+          </a:lnRef>
+          <a:fillRef idx="1">
+            <a:schemeClr val="accent1"/>
+          </a:fillRef>
+          <a:effectRef idx="0">
+            <a:schemeClr val="accent1"/>
+          </a:effectRef>
+          <a:fontRef idx="minor">
+            <a:schemeClr val="lt1"/>
+          </a:fontRef>
+        </p:style>
+        <p:txBody>
+          <a:bodyPr rtlCol="0" anchor="ctr"/>
+          <a:lstStyle/>
+          <a:p>
+            <a:pPr algn="ctr"/>
+            <a:endParaRPr lang="en-US"/>
+          </a:p>
+        </p:txBody>
+      </p:sp>
+      <p:sp>
+        <p:nvSpPr>
+          <p:cNvPr id="12" name="Rectangle 11">
+            <a:extLst>
+              <a:ext uri="{FF2B5EF4-FFF2-40B4-BE49-F238E27FC236}">
+                <a16:creationId xmlns:a16="http://schemas.microsoft.com/office/drawing/2014/main" id="{1588E12B-673C-C543-A92B-1914348F6CFA}"/>
+              </a:ext>
+            </a:extLst>
+          </p:cNvPr>
+          <p:cNvSpPr/>
+          <p:nvPr/>
+        </p:nvSpPr>
+        <p:spPr>
+          <a:xfrm>
+            <a:off x="903409" y="3834713"/>
+            <a:ext cx="2100649" cy="61784"/>
+          </a:xfrm>
+          <a:prstGeom prst="rect">
+            <a:avLst/>
+          </a:prstGeom>
+          <a:ln>
+            <a:noFill/>
+          </a:ln>
+        </p:spPr>
+        <p:style>
+          <a:lnRef idx="2">
+            <a:schemeClr val="accent2">
+              <a:shade val="50000"/>
+            </a:schemeClr>
+          </a:lnRef>
+          <a:fillRef idx="1">
+            <a:schemeClr val="accent2"/>
+          </a:fillRef>
+          <a:effectRef idx="0">
+            <a:schemeClr val="accent2"/>
+          </a:effectRef>
+          <a:fontRef idx="minor">
+            <a:schemeClr val="lt1"/>
+          </a:fontRef>
+        </p:style>
+        <p:txBody>
+          <a:bodyPr rtlCol="0" anchor="ctr"/>
+          <a:lstStyle/>
+          <a:p>
+            <a:pPr algn="ctr"/>
+            <a:endParaRPr lang="en-US"/>
+          </a:p>
+        </p:txBody>
+      </p:sp>
+      <p:sp>
+        <p:nvSpPr>
+          <p:cNvPr id="13" name="Rectangle 12">
+            <a:extLst>
+              <a:ext uri="{FF2B5EF4-FFF2-40B4-BE49-F238E27FC236}">
+                <a16:creationId xmlns:a16="http://schemas.microsoft.com/office/drawing/2014/main" id="{4A63149A-AF5F-504E-BA6A-AA966090059D}"/>
+              </a:ext>
+            </a:extLst>
+          </p:cNvPr>
+          <p:cNvSpPr/>
+          <p:nvPr/>
+        </p:nvSpPr>
+        <p:spPr>
+          <a:xfrm>
+            <a:off x="903413" y="4469026"/>
+            <a:ext cx="2100649" cy="61784"/>
+          </a:xfrm>
+          <a:prstGeom prst="rect">
+            <a:avLst/>
+          </a:prstGeom>
+          <a:ln>
+            <a:noFill/>
+          </a:ln>
+        </p:spPr>
+        <p:style>
+          <a:lnRef idx="2">
+            <a:schemeClr val="accent3">
+              <a:shade val="50000"/>
+            </a:schemeClr>
+          </a:lnRef>
+          <a:fillRef idx="1">
+            <a:schemeClr val="accent3"/>
+          </a:fillRef>
+          <a:effectRef idx="0">
+            <a:schemeClr val="accent3"/>
+          </a:effectRef>
+          <a:fontRef idx="minor">
+            <a:schemeClr val="lt1"/>
+          </a:fontRef>
+        </p:style>
+        <p:txBody>
+          <a:bodyPr rtlCol="0" anchor="ctr"/>
+          <a:lstStyle/>
+          <a:p>
+            <a:pPr algn="ctr"/>
+            <a:endParaRPr lang="en-US"/>
+          </a:p>
+        </p:txBody>
+      </p:sp>
+      <p:sp>
+        <p:nvSpPr>
+          <p:cNvPr id="14" name="Rectangle 13">
+            <a:extLst>
+              <a:ext uri="{FF2B5EF4-FFF2-40B4-BE49-F238E27FC236}">
+                <a16:creationId xmlns:a16="http://schemas.microsoft.com/office/drawing/2014/main" id="{63E91BE4-6432-394A-9666-B70F27C73663}"/>
+              </a:ext>
+            </a:extLst>
+          </p:cNvPr>
+          <p:cNvSpPr/>
+          <p:nvPr/>
+        </p:nvSpPr>
+        <p:spPr>
+          <a:xfrm>
+            <a:off x="903410" y="5103339"/>
+            <a:ext cx="2100649" cy="61784"/>
+          </a:xfrm>
+          <a:prstGeom prst="rect">
+            <a:avLst/>
+          </a:prstGeom>
+          <a:ln>
+            <a:noFill/>
+          </a:ln>
+        </p:spPr>
+        <p:style>
+          <a:lnRef idx="2">
+            <a:schemeClr val="accent4">
+              <a:shade val="50000"/>
+            </a:schemeClr>
+          </a:lnRef>
+          <a:fillRef idx="1">
+            <a:schemeClr val="accent4"/>
+          </a:fillRef>
+          <a:effectRef idx="0">
+            <a:schemeClr val="accent4"/>
+          </a:effectRef>
+          <a:fontRef idx="minor">
+            <a:schemeClr val="lt1"/>
+          </a:fontRef>
+        </p:style>
+        <p:txBody>
+          <a:bodyPr rtlCol="0" anchor="ctr"/>
+          <a:lstStyle/>
+          <a:p>
+            <a:pPr algn="ctr"/>
+            <a:endParaRPr lang="en-US"/>
+          </a:p>
+        </p:txBody>
+      </p:sp>
+      <p:sp>
+        <p:nvSpPr>
+          <p:cNvPr id="15" name="Rectangle 14">
+            <a:extLst>
+              <a:ext uri="{FF2B5EF4-FFF2-40B4-BE49-F238E27FC236}">
+                <a16:creationId xmlns:a16="http://schemas.microsoft.com/office/drawing/2014/main" id="{079BD4C0-0C83-234A-B0E4-F042A90FFABA}"/>
+              </a:ext>
+            </a:extLst>
+          </p:cNvPr>
+          <p:cNvSpPr/>
+          <p:nvPr/>
+        </p:nvSpPr>
+        <p:spPr>
+          <a:xfrm>
+            <a:off x="903410" y="5768544"/>
+            <a:ext cx="2100649" cy="61784"/>
+          </a:xfrm>
+          <a:prstGeom prst="rect">
+            <a:avLst/>
+          </a:prstGeom>
+          <a:ln>
+            <a:noFill/>
+          </a:ln>
+        </p:spPr>
+        <p:style>
+          <a:lnRef idx="2">
+            <a:schemeClr val="accent6">
+              <a:shade val="50000"/>
+            </a:schemeClr>
+          </a:lnRef>
+          <a:fillRef idx="1">
+            <a:schemeClr val="accent6"/>
+          </a:fillRef>
+          <a:effectRef idx="0">
+            <a:schemeClr val="accent6"/>
+          </a:effectRef>
+          <a:fontRef idx="minor">
+            <a:schemeClr val="lt1"/>
+          </a:fontRef>
+        </p:style>
+        <p:txBody>
+          <a:bodyPr rtlCol="0" anchor="ctr"/>
+          <a:lstStyle/>
+          <a:p>
+            <a:pPr algn="ctr"/>
+            <a:endParaRPr lang="en-US"/>
+          </a:p>
+        </p:txBody>
+      </p:sp>
+      <p:cxnSp>
+        <p:nvCxnSpPr>
+          <p:cNvPr id="29" name="Straight Arrow Connector 28">
+            <a:extLst>
+              <a:ext uri="{FF2B5EF4-FFF2-40B4-BE49-F238E27FC236}">
+                <a16:creationId xmlns:a16="http://schemas.microsoft.com/office/drawing/2014/main" id="{4EB1DBFA-21E8-3149-9C75-BBD07423E04B}"/>
+              </a:ext>
+            </a:extLst>
+          </p:cNvPr>
+          <p:cNvCxnSpPr>
+            <a:cxnSpLocks/>
+          </p:cNvCxnSpPr>
+          <p:nvPr/>
+        </p:nvCxnSpPr>
+        <p:spPr>
+          <a:xfrm>
+            <a:off x="4086374" y="4466966"/>
+            <a:ext cx="3521676" cy="0"/>
+          </a:xfrm>
+          <a:prstGeom prst="straightConnector1">
+            <a:avLst/>
+          </a:prstGeom>
+          <a:ln w="57150">
+            <a:solidFill>
+              <a:schemeClr val="tx1"/>
+            </a:solidFill>
+            <a:tailEnd type="triangle"/>
+          </a:ln>
+        </p:spPr>
+        <p:style>
+          <a:lnRef idx="1">
+            <a:schemeClr val="accent2"/>
+          </a:lnRef>
+          <a:fillRef idx="0">
+            <a:schemeClr val="accent2"/>
+          </a:fillRef>
+          <a:effectRef idx="0">
+            <a:schemeClr val="accent2"/>
+          </a:effectRef>
+          <a:fontRef idx="minor">
+            <a:schemeClr val="tx1"/>
+          </a:fontRef>
+        </p:style>
+      </p:cxnSp>
+      <p:sp>
+        <p:nvSpPr>
+          <p:cNvPr id="30" name="TextBox 29">
+            <a:extLst>
+              <a:ext uri="{FF2B5EF4-FFF2-40B4-BE49-F238E27FC236}">
+                <a16:creationId xmlns:a16="http://schemas.microsoft.com/office/drawing/2014/main" id="{D073C3C6-6FA9-0D48-ACC6-8979C4180481}"/>
+              </a:ext>
+            </a:extLst>
+          </p:cNvPr>
+          <p:cNvSpPr txBox="1"/>
+          <p:nvPr/>
+        </p:nvSpPr>
+        <p:spPr>
+          <a:xfrm>
+            <a:off x="0" y="0"/>
+            <a:ext cx="11055462" cy="584775"/>
+          </a:xfrm>
+          <a:prstGeom prst="rect">
+            <a:avLst/>
+          </a:prstGeom>
+          <a:noFill/>
+        </p:spPr>
+        <p:txBody>
+          <a:bodyPr wrap="none" rtlCol="0">
+            <a:spAutoFit/>
+          </a:bodyPr>
+          <a:lstStyle/>
+          <a:p>
+            <a:r>
+              <a:rPr lang="en-US" sz="3200" b="1" dirty="0"/>
+              <a:t>Use the average of three layers to initialize layers w. different </a:t>
+            </a:r>
+            <a:r>
+              <a:rPr lang="en-US" sz="3200" b="1" dirty="0" err="1"/>
+              <a:t>dz</a:t>
+            </a:r>
+            <a:endParaRPr lang="en-US" sz="3200" b="1" dirty="0"/>
+          </a:p>
+        </p:txBody>
+      </p:sp>
+      <p:sp>
+        <p:nvSpPr>
+          <p:cNvPr id="27" name="Rectangle 26">
+            <a:extLst>
+              <a:ext uri="{FF2B5EF4-FFF2-40B4-BE49-F238E27FC236}">
+                <a16:creationId xmlns:a16="http://schemas.microsoft.com/office/drawing/2014/main" id="{442296AF-F251-6449-A5A7-942D28D87446}"/>
+              </a:ext>
+            </a:extLst>
+          </p:cNvPr>
+          <p:cNvSpPr/>
+          <p:nvPr/>
+        </p:nvSpPr>
+        <p:spPr>
+          <a:xfrm>
+            <a:off x="4086374" y="4778628"/>
+            <a:ext cx="3801425" cy="1477328"/>
+          </a:xfrm>
+          <a:prstGeom prst="rect">
+            <a:avLst/>
+          </a:prstGeom>
+        </p:spPr>
+        <p:txBody>
+          <a:bodyPr wrap="none">
+            <a:spAutoFit/>
+          </a:bodyPr>
+          <a:lstStyle/>
+          <a:p>
+            <a:pPr>
+              <a:defRPr/>
+            </a:pPr>
+            <a:r>
+              <a:rPr lang="en-US" dirty="0" err="1"/>
+              <a:t>eng.init_layer_select</a:t>
+            </a:r>
+            <a:r>
+              <a:rPr lang="en-US" dirty="0"/>
+              <a:t> = [2:4];</a:t>
+            </a:r>
+          </a:p>
+          <a:p>
+            <a:pPr>
+              <a:defRPr/>
+            </a:pPr>
+            <a:r>
+              <a:rPr lang="en-US" dirty="0" err="1"/>
+              <a:t>eng.init_layer_preprocess</a:t>
+            </a:r>
+            <a:r>
+              <a:rPr lang="en-US" dirty="0"/>
+              <a:t> = ‘avg’;</a:t>
+            </a:r>
+          </a:p>
+          <a:p>
+            <a:pPr>
+              <a:defRPr/>
+            </a:pPr>
+            <a:r>
+              <a:rPr lang="en-US" dirty="0" err="1"/>
+              <a:t>eng.init_layer_append_mode</a:t>
+            </a:r>
+            <a:r>
+              <a:rPr lang="en-US" dirty="0"/>
+              <a:t> = ‘edge’;</a:t>
+            </a:r>
+          </a:p>
+          <a:p>
+            <a:pPr>
+              <a:defRPr/>
+            </a:pPr>
+            <a:r>
+              <a:rPr lang="en-US" dirty="0" err="1"/>
+              <a:t>eng.init_layer_interp</a:t>
+            </a:r>
+            <a:r>
+              <a:rPr lang="en-US" dirty="0"/>
+              <a:t> = []; </a:t>
+            </a:r>
+          </a:p>
+          <a:p>
+            <a:pPr>
+              <a:defRPr/>
+            </a:pPr>
+            <a:r>
+              <a:rPr lang="en-US" dirty="0" err="1"/>
+              <a:t>eng.init_layer_scaling_factor</a:t>
+            </a:r>
+            <a:r>
+              <a:rPr lang="en-US" dirty="0"/>
+              <a:t> = 0.5;</a:t>
+            </a:r>
+          </a:p>
+        </p:txBody>
+      </p:sp>
+      <p:sp>
+        <p:nvSpPr>
+          <p:cNvPr id="26" name="Right Brace 25">
+            <a:extLst>
+              <a:ext uri="{FF2B5EF4-FFF2-40B4-BE49-F238E27FC236}">
+                <a16:creationId xmlns:a16="http://schemas.microsoft.com/office/drawing/2014/main" id="{FA904E1A-FD94-7D40-9204-B8C87E56B5E8}"/>
+              </a:ext>
+            </a:extLst>
+          </p:cNvPr>
+          <p:cNvSpPr/>
+          <p:nvPr/>
+        </p:nvSpPr>
+        <p:spPr>
+          <a:xfrm>
+            <a:off x="3345366" y="3834713"/>
+            <a:ext cx="289932" cy="1330410"/>
+          </a:xfrm>
+          <a:prstGeom prst="rightBrace">
+            <a:avLst/>
+          </a:prstGeom>
+          <a:ln w="22225">
+            <a:solidFill>
+              <a:srgbClr val="FF0000"/>
+            </a:solidFill>
+          </a:ln>
+        </p:spPr>
+        <p:style>
+          <a:lnRef idx="1">
+            <a:schemeClr val="accent1"/>
+          </a:lnRef>
+          <a:fillRef idx="0">
+            <a:schemeClr val="accent1"/>
+          </a:fillRef>
+          <a:effectRef idx="0">
+            <a:schemeClr val="accent1"/>
+          </a:effectRef>
+          <a:fontRef idx="minor">
+            <a:schemeClr val="tx1"/>
+          </a:fontRef>
+        </p:style>
+        <p:txBody>
+          <a:bodyPr rtlCol="0" anchor="ctr"/>
+          <a:lstStyle/>
+          <a:p>
+            <a:pPr algn="ctr"/>
+            <a:endParaRPr lang="en-US"/>
+          </a:p>
+        </p:txBody>
+      </p:sp>
+      <p:grpSp>
+        <p:nvGrpSpPr>
+          <p:cNvPr id="2" name="Group 1">
+            <a:extLst>
+              <a:ext uri="{FF2B5EF4-FFF2-40B4-BE49-F238E27FC236}">
+                <a16:creationId xmlns:a16="http://schemas.microsoft.com/office/drawing/2014/main" id="{63E8D44D-BDE6-ED43-808E-5E2DEC64CAF4}"/>
+              </a:ext>
+            </a:extLst>
+          </p:cNvPr>
+          <p:cNvGrpSpPr/>
+          <p:nvPr/>
+        </p:nvGrpSpPr>
+        <p:grpSpPr>
+          <a:xfrm>
+            <a:off x="8694968" y="3002275"/>
+            <a:ext cx="2100653" cy="2995285"/>
+            <a:chOff x="8716609" y="3169508"/>
+            <a:chExt cx="2100653" cy="2995285"/>
+          </a:xfrm>
+        </p:grpSpPr>
+        <p:grpSp>
+          <p:nvGrpSpPr>
+            <p:cNvPr id="28" name="Group 27">
+              <a:extLst>
+                <a:ext uri="{FF2B5EF4-FFF2-40B4-BE49-F238E27FC236}">
+                  <a16:creationId xmlns:a16="http://schemas.microsoft.com/office/drawing/2014/main" id="{4A453E6D-3E97-534E-A7DF-73A7EFFF5248}"/>
+                </a:ext>
+              </a:extLst>
+            </p:cNvPr>
+            <p:cNvGrpSpPr/>
+            <p:nvPr/>
+          </p:nvGrpSpPr>
+          <p:grpSpPr>
+            <a:xfrm>
+              <a:off x="8716609" y="3169508"/>
+              <a:ext cx="2100653" cy="2660820"/>
+              <a:chOff x="8333939" y="3169508"/>
+              <a:chExt cx="2100653" cy="2660820"/>
+            </a:xfrm>
+          </p:grpSpPr>
+          <p:sp>
+            <p:nvSpPr>
+              <p:cNvPr id="19" name="Rectangle 18">
+                <a:extLst>
+                  <a:ext uri="{FF2B5EF4-FFF2-40B4-BE49-F238E27FC236}">
+                    <a16:creationId xmlns:a16="http://schemas.microsoft.com/office/drawing/2014/main" id="{A1A93192-CF03-0747-88B3-1F3FFE413F96}"/>
+                  </a:ext>
+                </a:extLst>
+              </p:cNvPr>
+              <p:cNvSpPr/>
+              <p:nvPr/>
+            </p:nvSpPr>
+            <p:spPr>
+              <a:xfrm>
+                <a:off x="8333940" y="3169508"/>
+                <a:ext cx="2100649" cy="61784"/>
+              </a:xfrm>
+              <a:prstGeom prst="rect">
+                <a:avLst/>
+              </a:prstGeom>
+              <a:solidFill>
+                <a:srgbClr val="E06D00"/>
+              </a:solidFill>
+              <a:ln>
+                <a:noFill/>
+              </a:ln>
+            </p:spPr>
+            <p:style>
+              <a:lnRef idx="2">
+                <a:schemeClr val="accent2">
+                  <a:shade val="50000"/>
+                </a:schemeClr>
+              </a:lnRef>
+              <a:fillRef idx="1">
+                <a:schemeClr val="accent2"/>
+              </a:fillRef>
+              <a:effectRef idx="0">
+                <a:schemeClr val="accent2"/>
+              </a:effectRef>
+              <a:fontRef idx="minor">
+                <a:schemeClr val="lt1"/>
+              </a:fontRef>
+            </p:style>
+            <p:txBody>
+              <a:bodyPr rtlCol="0" anchor="ctr"/>
+              <a:lstStyle/>
+              <a:p>
+                <a:pPr algn="ctr"/>
+                <a:endParaRPr lang="en-US"/>
+              </a:p>
+            </p:txBody>
+          </p:sp>
+          <p:sp>
+            <p:nvSpPr>
+              <p:cNvPr id="20" name="Rectangle 19">
+                <a:extLst>
+                  <a:ext uri="{FF2B5EF4-FFF2-40B4-BE49-F238E27FC236}">
+                    <a16:creationId xmlns:a16="http://schemas.microsoft.com/office/drawing/2014/main" id="{835433DD-1646-CB4E-9E33-BC92AC8C7B20}"/>
+                  </a:ext>
+                </a:extLst>
+              </p:cNvPr>
+              <p:cNvSpPr/>
+              <p:nvPr/>
+            </p:nvSpPr>
+            <p:spPr>
+              <a:xfrm>
+                <a:off x="8333943" y="3834713"/>
+                <a:ext cx="2100649" cy="61784"/>
+              </a:xfrm>
+              <a:prstGeom prst="rect">
+                <a:avLst/>
+              </a:prstGeom>
+              <a:solidFill>
+                <a:srgbClr val="E06D00"/>
+              </a:solidFill>
+              <a:ln>
+                <a:noFill/>
+              </a:ln>
+            </p:spPr>
+            <p:style>
+              <a:lnRef idx="2">
+                <a:schemeClr val="accent2">
+                  <a:shade val="50000"/>
+                </a:schemeClr>
+              </a:lnRef>
+              <a:fillRef idx="1">
+                <a:schemeClr val="accent2"/>
+              </a:fillRef>
+              <a:effectRef idx="0">
+                <a:schemeClr val="accent2"/>
+              </a:effectRef>
+              <a:fontRef idx="minor">
+                <a:schemeClr val="lt1"/>
+              </a:fontRef>
+            </p:style>
+            <p:txBody>
+              <a:bodyPr rtlCol="0" anchor="ctr"/>
+              <a:lstStyle/>
+              <a:p>
+                <a:pPr algn="ctr"/>
+                <a:endParaRPr lang="en-US"/>
+              </a:p>
+            </p:txBody>
+          </p:sp>
+          <p:sp>
+            <p:nvSpPr>
+              <p:cNvPr id="21" name="Rectangle 20">
+                <a:extLst>
+                  <a:ext uri="{FF2B5EF4-FFF2-40B4-BE49-F238E27FC236}">
+                    <a16:creationId xmlns:a16="http://schemas.microsoft.com/office/drawing/2014/main" id="{A7A4565B-08EB-E34D-85EF-CE128329B00B}"/>
+                  </a:ext>
+                </a:extLst>
+              </p:cNvPr>
+              <p:cNvSpPr/>
+              <p:nvPr/>
+            </p:nvSpPr>
+            <p:spPr>
+              <a:xfrm>
+                <a:off x="8333942" y="4469026"/>
+                <a:ext cx="2100649" cy="61784"/>
+              </a:xfrm>
+              <a:prstGeom prst="rect">
+                <a:avLst/>
+              </a:prstGeom>
+              <a:solidFill>
+                <a:srgbClr val="E06D00"/>
+              </a:solidFill>
+              <a:ln>
+                <a:noFill/>
+              </a:ln>
+            </p:spPr>
+            <p:style>
+              <a:lnRef idx="2">
+                <a:schemeClr val="accent3">
+                  <a:shade val="50000"/>
+                </a:schemeClr>
+              </a:lnRef>
+              <a:fillRef idx="1">
+                <a:schemeClr val="accent3"/>
+              </a:fillRef>
+              <a:effectRef idx="0">
+                <a:schemeClr val="accent3"/>
+              </a:effectRef>
+              <a:fontRef idx="minor">
+                <a:schemeClr val="lt1"/>
+              </a:fontRef>
+            </p:style>
+            <p:txBody>
+              <a:bodyPr rtlCol="0" anchor="ctr"/>
+              <a:lstStyle/>
+              <a:p>
+                <a:pPr algn="ctr"/>
+                <a:endParaRPr lang="en-US"/>
+              </a:p>
+            </p:txBody>
+          </p:sp>
+          <p:sp>
+            <p:nvSpPr>
+              <p:cNvPr id="22" name="Rectangle 21">
+                <a:extLst>
+                  <a:ext uri="{FF2B5EF4-FFF2-40B4-BE49-F238E27FC236}">
+                    <a16:creationId xmlns:a16="http://schemas.microsoft.com/office/drawing/2014/main" id="{E53280AF-6B24-F746-96C5-03CC16CCBD60}"/>
+                  </a:ext>
+                </a:extLst>
+              </p:cNvPr>
+              <p:cNvSpPr/>
+              <p:nvPr/>
+            </p:nvSpPr>
+            <p:spPr>
+              <a:xfrm>
+                <a:off x="8333941" y="5103339"/>
+                <a:ext cx="2100649" cy="61784"/>
+              </a:xfrm>
+              <a:prstGeom prst="rect">
+                <a:avLst/>
+              </a:prstGeom>
+              <a:solidFill>
+                <a:srgbClr val="E06D00"/>
+              </a:solidFill>
+              <a:ln>
+                <a:noFill/>
+              </a:ln>
+            </p:spPr>
+            <p:style>
+              <a:lnRef idx="2">
+                <a:schemeClr val="accent4">
+                  <a:shade val="50000"/>
+                </a:schemeClr>
+              </a:lnRef>
+              <a:fillRef idx="1">
+                <a:schemeClr val="accent4"/>
+              </a:fillRef>
+              <a:effectRef idx="0">
+                <a:schemeClr val="accent4"/>
+              </a:effectRef>
+              <a:fontRef idx="minor">
+                <a:schemeClr val="lt1"/>
+              </a:fontRef>
+            </p:style>
+            <p:txBody>
+              <a:bodyPr rtlCol="0" anchor="ctr"/>
+              <a:lstStyle/>
+              <a:p>
+                <a:pPr algn="ctr"/>
+                <a:endParaRPr lang="en-US"/>
+              </a:p>
+            </p:txBody>
+          </p:sp>
+          <p:sp>
+            <p:nvSpPr>
+              <p:cNvPr id="23" name="Rectangle 22">
+                <a:extLst>
+                  <a:ext uri="{FF2B5EF4-FFF2-40B4-BE49-F238E27FC236}">
+                    <a16:creationId xmlns:a16="http://schemas.microsoft.com/office/drawing/2014/main" id="{D874BF69-9CBF-0F47-9A19-894B48A98839}"/>
+                  </a:ext>
+                </a:extLst>
+              </p:cNvPr>
+              <p:cNvSpPr/>
+              <p:nvPr/>
+            </p:nvSpPr>
+            <p:spPr>
+              <a:xfrm>
+                <a:off x="8333939" y="5768544"/>
+                <a:ext cx="2100649" cy="61784"/>
+              </a:xfrm>
+              <a:prstGeom prst="rect">
+                <a:avLst/>
+              </a:prstGeom>
+              <a:solidFill>
+                <a:srgbClr val="E06D00"/>
+              </a:solidFill>
+              <a:ln>
+                <a:noFill/>
+              </a:ln>
+            </p:spPr>
+            <p:style>
+              <a:lnRef idx="2">
+                <a:schemeClr val="accent4">
+                  <a:shade val="50000"/>
+                </a:schemeClr>
+              </a:lnRef>
+              <a:fillRef idx="1">
+                <a:schemeClr val="accent4"/>
+              </a:fillRef>
+              <a:effectRef idx="0">
+                <a:schemeClr val="accent4"/>
+              </a:effectRef>
+              <a:fontRef idx="minor">
+                <a:schemeClr val="lt1"/>
+              </a:fontRef>
+            </p:style>
+            <p:txBody>
+              <a:bodyPr rtlCol="0" anchor="ctr"/>
+              <a:lstStyle/>
+              <a:p>
+                <a:pPr algn="ctr"/>
+                <a:endParaRPr lang="en-US"/>
+              </a:p>
+            </p:txBody>
+          </p:sp>
+        </p:grpSp>
+        <p:grpSp>
+          <p:nvGrpSpPr>
+            <p:cNvPr id="31" name="Group 30">
+              <a:extLst>
+                <a:ext uri="{FF2B5EF4-FFF2-40B4-BE49-F238E27FC236}">
+                  <a16:creationId xmlns:a16="http://schemas.microsoft.com/office/drawing/2014/main" id="{237E76E9-BF2B-DD47-8FA6-078673188681}"/>
+                </a:ext>
+              </a:extLst>
+            </p:cNvPr>
+            <p:cNvGrpSpPr/>
+            <p:nvPr/>
+          </p:nvGrpSpPr>
+          <p:grpSpPr>
+            <a:xfrm>
+              <a:off x="8716609" y="3503973"/>
+              <a:ext cx="2100653" cy="2660820"/>
+              <a:chOff x="8333939" y="3169508"/>
+              <a:chExt cx="2100653" cy="2660820"/>
+            </a:xfrm>
+          </p:grpSpPr>
+          <p:sp>
+            <p:nvSpPr>
+              <p:cNvPr id="32" name="Rectangle 31">
+                <a:extLst>
+                  <a:ext uri="{FF2B5EF4-FFF2-40B4-BE49-F238E27FC236}">
+                    <a16:creationId xmlns:a16="http://schemas.microsoft.com/office/drawing/2014/main" id="{D9942C36-6985-B54D-9C15-B9783E364CCF}"/>
+                  </a:ext>
+                </a:extLst>
+              </p:cNvPr>
+              <p:cNvSpPr/>
+              <p:nvPr/>
+            </p:nvSpPr>
+            <p:spPr>
+              <a:xfrm>
+                <a:off x="8333940" y="3169508"/>
+                <a:ext cx="2100649" cy="61784"/>
+              </a:xfrm>
+              <a:prstGeom prst="rect">
+                <a:avLst/>
+              </a:prstGeom>
+              <a:solidFill>
+                <a:srgbClr val="E06D00"/>
+              </a:solidFill>
+              <a:ln>
+                <a:noFill/>
+              </a:ln>
+            </p:spPr>
+            <p:style>
+              <a:lnRef idx="2">
+                <a:schemeClr val="accent2">
+                  <a:shade val="50000"/>
+                </a:schemeClr>
+              </a:lnRef>
+              <a:fillRef idx="1">
+                <a:schemeClr val="accent2"/>
+              </a:fillRef>
+              <a:effectRef idx="0">
+                <a:schemeClr val="accent2"/>
+              </a:effectRef>
+              <a:fontRef idx="minor">
+                <a:schemeClr val="lt1"/>
+              </a:fontRef>
+            </p:style>
+            <p:txBody>
+              <a:bodyPr rtlCol="0" anchor="ctr"/>
+              <a:lstStyle/>
+              <a:p>
+                <a:pPr algn="ctr"/>
+                <a:endParaRPr lang="en-US"/>
+              </a:p>
+            </p:txBody>
+          </p:sp>
+          <p:sp>
+            <p:nvSpPr>
+              <p:cNvPr id="33" name="Rectangle 32">
+                <a:extLst>
+                  <a:ext uri="{FF2B5EF4-FFF2-40B4-BE49-F238E27FC236}">
+                    <a16:creationId xmlns:a16="http://schemas.microsoft.com/office/drawing/2014/main" id="{EBD26C88-3211-6E47-BD8F-97AD6F5CC8E5}"/>
+                  </a:ext>
+                </a:extLst>
+              </p:cNvPr>
+              <p:cNvSpPr/>
+              <p:nvPr/>
+            </p:nvSpPr>
+            <p:spPr>
+              <a:xfrm>
+                <a:off x="8333943" y="3834713"/>
+                <a:ext cx="2100649" cy="61784"/>
+              </a:xfrm>
+              <a:prstGeom prst="rect">
+                <a:avLst/>
+              </a:prstGeom>
+              <a:solidFill>
+                <a:srgbClr val="E06D00"/>
+              </a:solidFill>
+              <a:ln>
+                <a:noFill/>
+              </a:ln>
+            </p:spPr>
+            <p:style>
+              <a:lnRef idx="2">
+                <a:schemeClr val="accent2">
+                  <a:shade val="50000"/>
+                </a:schemeClr>
+              </a:lnRef>
+              <a:fillRef idx="1">
+                <a:schemeClr val="accent2"/>
+              </a:fillRef>
+              <a:effectRef idx="0">
+                <a:schemeClr val="accent2"/>
+              </a:effectRef>
+              <a:fontRef idx="minor">
+                <a:schemeClr val="lt1"/>
+              </a:fontRef>
+            </p:style>
+            <p:txBody>
+              <a:bodyPr rtlCol="0" anchor="ctr"/>
+              <a:lstStyle/>
+              <a:p>
+                <a:pPr algn="ctr"/>
+                <a:endParaRPr lang="en-US"/>
+              </a:p>
+            </p:txBody>
+          </p:sp>
+          <p:sp>
+            <p:nvSpPr>
+              <p:cNvPr id="34" name="Rectangle 33">
+                <a:extLst>
+                  <a:ext uri="{FF2B5EF4-FFF2-40B4-BE49-F238E27FC236}">
+                    <a16:creationId xmlns:a16="http://schemas.microsoft.com/office/drawing/2014/main" id="{5CA7B1DF-FEA5-814A-B258-64B97FA571B5}"/>
+                  </a:ext>
+                </a:extLst>
+              </p:cNvPr>
+              <p:cNvSpPr/>
+              <p:nvPr/>
+            </p:nvSpPr>
+            <p:spPr>
+              <a:xfrm>
+                <a:off x="8333942" y="4469026"/>
+                <a:ext cx="2100649" cy="61784"/>
+              </a:xfrm>
+              <a:prstGeom prst="rect">
+                <a:avLst/>
+              </a:prstGeom>
+              <a:solidFill>
+                <a:srgbClr val="E06D00"/>
+              </a:solidFill>
+              <a:ln>
+                <a:noFill/>
+              </a:ln>
+            </p:spPr>
+            <p:style>
+              <a:lnRef idx="2">
+                <a:schemeClr val="accent3">
+                  <a:shade val="50000"/>
+                </a:schemeClr>
+              </a:lnRef>
+              <a:fillRef idx="1">
+                <a:schemeClr val="accent3"/>
+              </a:fillRef>
+              <a:effectRef idx="0">
+                <a:schemeClr val="accent3"/>
+              </a:effectRef>
+              <a:fontRef idx="minor">
+                <a:schemeClr val="lt1"/>
+              </a:fontRef>
+            </p:style>
+            <p:txBody>
+              <a:bodyPr rtlCol="0" anchor="ctr"/>
+              <a:lstStyle/>
+              <a:p>
+                <a:pPr algn="ctr"/>
+                <a:endParaRPr lang="en-US"/>
+              </a:p>
+            </p:txBody>
+          </p:sp>
+          <p:sp>
+            <p:nvSpPr>
+              <p:cNvPr id="35" name="Rectangle 34">
+                <a:extLst>
+                  <a:ext uri="{FF2B5EF4-FFF2-40B4-BE49-F238E27FC236}">
+                    <a16:creationId xmlns:a16="http://schemas.microsoft.com/office/drawing/2014/main" id="{7C54673F-24D3-4B42-9578-4E33917557D8}"/>
+                  </a:ext>
+                </a:extLst>
+              </p:cNvPr>
+              <p:cNvSpPr/>
+              <p:nvPr/>
+            </p:nvSpPr>
+            <p:spPr>
+              <a:xfrm>
+                <a:off x="8333941" y="5103339"/>
+                <a:ext cx="2100649" cy="61784"/>
+              </a:xfrm>
+              <a:prstGeom prst="rect">
+                <a:avLst/>
+              </a:prstGeom>
+              <a:solidFill>
+                <a:srgbClr val="E06D00"/>
+              </a:solidFill>
+              <a:ln>
+                <a:noFill/>
+              </a:ln>
+            </p:spPr>
+            <p:style>
+              <a:lnRef idx="2">
+                <a:schemeClr val="accent4">
+                  <a:shade val="50000"/>
+                </a:schemeClr>
+              </a:lnRef>
+              <a:fillRef idx="1">
+                <a:schemeClr val="accent4"/>
+              </a:fillRef>
+              <a:effectRef idx="0">
+                <a:schemeClr val="accent4"/>
+              </a:effectRef>
+              <a:fontRef idx="minor">
+                <a:schemeClr val="lt1"/>
+              </a:fontRef>
+            </p:style>
+            <p:txBody>
+              <a:bodyPr rtlCol="0" anchor="ctr"/>
+              <a:lstStyle/>
+              <a:p>
+                <a:pPr algn="ctr"/>
+                <a:endParaRPr lang="en-US"/>
+              </a:p>
+            </p:txBody>
+          </p:sp>
+          <p:sp>
+            <p:nvSpPr>
+              <p:cNvPr id="36" name="Rectangle 35">
+                <a:extLst>
+                  <a:ext uri="{FF2B5EF4-FFF2-40B4-BE49-F238E27FC236}">
+                    <a16:creationId xmlns:a16="http://schemas.microsoft.com/office/drawing/2014/main" id="{04BE0417-547A-B247-8A22-2BD85AD95F6C}"/>
+                  </a:ext>
+                </a:extLst>
+              </p:cNvPr>
+              <p:cNvSpPr/>
+              <p:nvPr/>
+            </p:nvSpPr>
+            <p:spPr>
+              <a:xfrm>
+                <a:off x="8333939" y="5768544"/>
+                <a:ext cx="2100649" cy="61784"/>
+              </a:xfrm>
+              <a:prstGeom prst="rect">
+                <a:avLst/>
+              </a:prstGeom>
+              <a:solidFill>
+                <a:srgbClr val="E06D00"/>
+              </a:solidFill>
+              <a:ln>
+                <a:noFill/>
+              </a:ln>
+            </p:spPr>
+            <p:style>
+              <a:lnRef idx="2">
+                <a:schemeClr val="accent4">
+                  <a:shade val="50000"/>
+                </a:schemeClr>
+              </a:lnRef>
+              <a:fillRef idx="1">
+                <a:schemeClr val="accent4"/>
+              </a:fillRef>
+              <a:effectRef idx="0">
+                <a:schemeClr val="accent4"/>
+              </a:effectRef>
+              <a:fontRef idx="minor">
+                <a:schemeClr val="lt1"/>
+              </a:fontRef>
+            </p:style>
+            <p:txBody>
+              <a:bodyPr rtlCol="0" anchor="ctr"/>
+              <a:lstStyle/>
+              <a:p>
+                <a:pPr algn="ctr"/>
+                <a:endParaRPr lang="en-US"/>
+              </a:p>
+            </p:txBody>
+          </p:sp>
+        </p:grpSp>
+      </p:grpSp>
+    </p:spTree>
+    <p:extLst>
+      <p:ext uri="{BB962C8B-B14F-4D97-AF65-F5344CB8AC3E}">
+        <p14:creationId xmlns:p14="http://schemas.microsoft.com/office/powerpoint/2010/main" val="3341247724"/>
+      </p:ext>
+    </p:extLst>
+  </p:cSld>
+  <p:clrMapOvr>
+    <a:masterClrMapping/>
+  </p:clrMapOvr>
+</p:sld>
+</file>
+
+<file path=ppt/slides/slide11.xml><?xml version="1.0" encoding="utf-8"?>
 <p:sld xmlns:a="http://schemas.openxmlformats.org/drawingml/2006/main" xmlns:r="http://schemas.openxmlformats.org/officeDocument/2006/relationships" xmlns:p="http://schemas.openxmlformats.org/presentationml/2006/main">
   <p:cSld>
     <p:spTree>
@@ -4137,7 +5503,7 @@
         <p:spPr>
           <a:xfrm>
             <a:off x="4086374" y="4778628"/>
-            <a:ext cx="3447867" cy="1477328"/>
+            <a:ext cx="3622274" cy="1477328"/>
           </a:xfrm>
           <a:prstGeom prst="rect">
             <a:avLst/>
@@ -4171,7 +5537,15 @@
             </a:r>
             <a:r>
               <a:rPr lang="en-US" dirty="0"/>
-              <a:t> = ‘’;</a:t>
+              <a:t> = ‘</a:t>
+            </a:r>
+            <a:r>
+              <a:rPr lang="en-US" dirty="0" err="1"/>
+              <a:t>interp</a:t>
+            </a:r>
+            <a:r>
+              <a:rPr lang="en-US" dirty="0"/>
+              <a:t>’;</a:t>
             </a:r>
           </a:p>
           <a:p>
@@ -5682,14 +7056,14 @@
           <p:nvPr>
             <p:extLst>
               <p:ext uri="{D42A27DB-BD31-4B8C-83A1-F6EECF244321}">
-                <p14:modId xmlns:p14="http://schemas.microsoft.com/office/powerpoint/2010/main" val="72153938"/>
+                <p14:modId xmlns:p14="http://schemas.microsoft.com/office/powerpoint/2010/main" val="2065344325"/>
               </p:ext>
             </p:extLst>
           </p:nvPr>
         </p:nvGraphicFramePr>
         <p:xfrm>
           <a:off x="281152" y="1271751"/>
-          <a:ext cx="11629696" cy="4968812"/>
+          <a:ext cx="11629696" cy="5243132"/>
         </p:xfrm>
         <a:graphic>
           <a:graphicData uri="http://schemas.openxmlformats.org/drawingml/2006/table">
@@ -5956,6 +7330,29 @@
                       </a:r>
                     </a:p>
                     <a:p>
+                      <a:pPr marL="0" marR="0" lvl="0" indent="0" algn="l" defTabSz="914400" rtl="0" eaLnBrk="1" fontAlgn="auto" latinLnBrk="0" hangingPunct="1">
+                        <a:lnSpc>
+                          <a:spcPct val="100000"/>
+                        </a:lnSpc>
+                        <a:spcBef>
+                          <a:spcPts val="0"/>
+                        </a:spcBef>
+                        <a:spcAft>
+                          <a:spcPts val="0"/>
+                        </a:spcAft>
+                        <a:buClrTx/>
+                        <a:buSzTx/>
+                        <a:buFontTx/>
+                        <a:buNone/>
+                        <a:tabLst/>
+                        <a:defRPr/>
+                      </a:pPr>
+                      <a:r>
+                        <a:rPr lang="en-US" dirty="0"/>
+                        <a:t>% ‘avg1’: keep only one averaged layer</a:t>
+                      </a:r>
+                    </a:p>
+                    <a:p>
                       <a:pPr marL="0" indent="0">
                         <a:buNone/>
                       </a:pPr>
@@ -6164,77 +7561,6 @@
           <a:chExt cx="0" cy="0"/>
         </a:xfrm>
       </p:grpSpPr>
-      <p:sp>
-        <p:nvSpPr>
-          <p:cNvPr id="4" name="TextBox 3">
-            <a:extLst>
-              <a:ext uri="{FF2B5EF4-FFF2-40B4-BE49-F238E27FC236}">
-                <a16:creationId xmlns:a16="http://schemas.microsoft.com/office/drawing/2014/main" id="{CC98A2A3-A7CC-F249-9E93-B5710B0FFF33}"/>
-              </a:ext>
-            </a:extLst>
-          </p:cNvPr>
-          <p:cNvSpPr txBox="1"/>
-          <p:nvPr/>
-        </p:nvSpPr>
-        <p:spPr>
-          <a:xfrm>
-            <a:off x="903410" y="769377"/>
-            <a:ext cx="2624180" cy="1323439"/>
-          </a:xfrm>
-          <a:prstGeom prst="rect">
-            <a:avLst/>
-          </a:prstGeom>
-          <a:noFill/>
-        </p:spPr>
-        <p:txBody>
-          <a:bodyPr wrap="none" rtlCol="0">
-            <a:spAutoFit/>
-          </a:bodyPr>
-          <a:lstStyle/>
-          <a:p>
-            <a:r>
-              <a:rPr lang="en-US" sz="2000" dirty="0"/>
-              <a:t>Input object file:</a:t>
-            </a:r>
-          </a:p>
-          <a:p>
-            <a:r>
-              <a:rPr lang="en-US" sz="2000" dirty="0" err="1"/>
-              <a:t>Nlayers</a:t>
-            </a:r>
-            <a:r>
-              <a:rPr lang="en-US" sz="2000" dirty="0"/>
-              <a:t> = 5</a:t>
-            </a:r>
-          </a:p>
-          <a:p>
-            <a:r>
-              <a:rPr lang="en-US" sz="2000" dirty="0" err="1"/>
-              <a:t>dz</a:t>
-            </a:r>
-            <a:r>
-              <a:rPr lang="en-US" sz="2000" dirty="0"/>
-              <a:t> = 8 </a:t>
-            </a:r>
-            <a:r>
-              <a:rPr lang="en-US" sz="2000" dirty="0" err="1"/>
-              <a:t>μm</a:t>
-            </a:r>
-            <a:endParaRPr lang="en-US" sz="2000" dirty="0"/>
-          </a:p>
-          <a:p>
-            <a:r>
-              <a:rPr lang="en-US" sz="2000" dirty="0"/>
-              <a:t>Total thickness = 40 </a:t>
-            </a:r>
-            <a:r>
-              <a:rPr lang="en-US" sz="2000" dirty="0" err="1"/>
-              <a:t>μm</a:t>
-            </a:r>
-            <a:endParaRPr lang="en-US" sz="2000" dirty="0"/>
-          </a:p>
-        </p:txBody>
-      </p:sp>
       <p:sp>
         <p:nvSpPr>
           <p:cNvPr id="5" name="TextBox 4">
@@ -6991,7 +8317,7 @@
         <p:spPr>
           <a:xfrm>
             <a:off x="4086374" y="4778628"/>
-            <a:ext cx="3652667" cy="1477328"/>
+            <a:ext cx="3660682" cy="1477328"/>
           </a:xfrm>
           <a:prstGeom prst="rect">
             <a:avLst/>
@@ -7038,7 +8364,7 @@
             </a:r>
             <a:r>
               <a:rPr lang="en-US" dirty="0"/>
-              <a:t> = ‘air’;</a:t>
+              <a:t> = ‘vac’;</a:t>
             </a:r>
           </a:p>
           <a:p>
@@ -7145,6 +8471,77 @@
               <a:rPr lang="en-US" sz="3200" b="1" dirty="0"/>
               <a:t>Add vacuum layers</a:t>
             </a:r>
+          </a:p>
+        </p:txBody>
+      </p:sp>
+      <p:sp>
+        <p:nvSpPr>
+          <p:cNvPr id="27" name="TextBox 26">
+            <a:extLst>
+              <a:ext uri="{FF2B5EF4-FFF2-40B4-BE49-F238E27FC236}">
+                <a16:creationId xmlns:a16="http://schemas.microsoft.com/office/drawing/2014/main" id="{C453601F-76DB-0848-86A4-8553B947A0F7}"/>
+              </a:ext>
+            </a:extLst>
+          </p:cNvPr>
+          <p:cNvSpPr txBox="1"/>
+          <p:nvPr/>
+        </p:nvSpPr>
+        <p:spPr>
+          <a:xfrm>
+            <a:off x="903410" y="769377"/>
+            <a:ext cx="2624180" cy="1323439"/>
+          </a:xfrm>
+          <a:prstGeom prst="rect">
+            <a:avLst/>
+          </a:prstGeom>
+          <a:noFill/>
+        </p:spPr>
+        <p:txBody>
+          <a:bodyPr wrap="none" rtlCol="0">
+            <a:spAutoFit/>
+          </a:bodyPr>
+          <a:lstStyle/>
+          <a:p>
+            <a:r>
+              <a:rPr lang="en-US" sz="2000" dirty="0"/>
+              <a:t>Input object file:</a:t>
+            </a:r>
+          </a:p>
+          <a:p>
+            <a:r>
+              <a:rPr lang="en-US" sz="2000" dirty="0" err="1"/>
+              <a:t>Nlayers</a:t>
+            </a:r>
+            <a:r>
+              <a:rPr lang="en-US" sz="2000" dirty="0"/>
+              <a:t> = 5</a:t>
+            </a:r>
+          </a:p>
+          <a:p>
+            <a:r>
+              <a:rPr lang="en-US" sz="2000" dirty="0" err="1"/>
+              <a:t>dz</a:t>
+            </a:r>
+            <a:r>
+              <a:rPr lang="en-US" sz="2000" dirty="0"/>
+              <a:t> = 8 </a:t>
+            </a:r>
+            <a:r>
+              <a:rPr lang="en-US" sz="2000" dirty="0" err="1"/>
+              <a:t>μm</a:t>
+            </a:r>
+            <a:endParaRPr lang="en-US" sz="2000" dirty="0"/>
+          </a:p>
+          <a:p>
+            <a:r>
+              <a:rPr lang="en-US" sz="2000" dirty="0"/>
+              <a:t>Total thickness = 40 </a:t>
+            </a:r>
+            <a:r>
+              <a:rPr lang="en-US" sz="2000" dirty="0" err="1"/>
+              <a:t>μm</a:t>
+            </a:r>
+            <a:endParaRPr lang="en-US" sz="2000" dirty="0"/>
           </a:p>
         </p:txBody>
       </p:sp>
@@ -12238,7 +13635,7 @@
         <p:spPr>
           <a:xfrm>
             <a:off x="4086374" y="4778628"/>
-            <a:ext cx="3599768" cy="1477328"/>
+            <a:ext cx="3660682" cy="1477328"/>
           </a:xfrm>
           <a:prstGeom prst="rect">
             <a:avLst/>
@@ -12285,7 +13682,7 @@
             </a:r>
             <a:r>
               <a:rPr lang="en-US" dirty="0"/>
-              <a:t> = ‘air’;</a:t>
+              <a:t> = ‘vac’;</a:t>
             </a:r>
           </a:p>
           <a:p>
@@ -12506,7 +13903,7 @@
             </a:r>
             <a:r>
               <a:rPr lang="en-US" sz="2000" dirty="0"/>
-              <a:t> = 10</a:t>
+              <a:t> = 7</a:t>
             </a:r>
           </a:p>
           <a:p>
@@ -12516,7 +13913,7 @@
             </a:r>
             <a:r>
               <a:rPr lang="en-US" sz="2000" dirty="0"/>
-              <a:t> = 4 </a:t>
+              <a:t> = 8 </a:t>
             </a:r>
             <a:r>
               <a:rPr lang="en-US" sz="2000" dirty="0" err="1"/>
@@ -12527,7 +13924,7 @@
           <a:p>
             <a:r>
               <a:rPr lang="en-US" sz="2000" dirty="0"/>
-              <a:t>Total thickness = 40 </a:t>
+              <a:t>Total thickness = 56 </a:t>
             </a:r>
             <a:r>
               <a:rPr lang="en-US" sz="2000" dirty="0" err="1"/>
@@ -12826,6 +14223,399 @@
           </a:p>
         </p:txBody>
       </p:sp>
+      <p:grpSp>
+        <p:nvGrpSpPr>
+          <p:cNvPr id="28" name="Group 27">
+            <a:extLst>
+              <a:ext uri="{FF2B5EF4-FFF2-40B4-BE49-F238E27FC236}">
+                <a16:creationId xmlns:a16="http://schemas.microsoft.com/office/drawing/2014/main" id="{4A453E6D-3E97-534E-A7DF-73A7EFFF5248}"/>
+              </a:ext>
+            </a:extLst>
+          </p:cNvPr>
+          <p:cNvGrpSpPr/>
+          <p:nvPr/>
+        </p:nvGrpSpPr>
+        <p:grpSpPr>
+          <a:xfrm>
+            <a:off x="8716608" y="2457965"/>
+            <a:ext cx="2106133" cy="4083906"/>
+            <a:chOff x="8333938" y="2457965"/>
+            <a:chExt cx="2106133" cy="4083906"/>
+          </a:xfrm>
+        </p:grpSpPr>
+        <p:sp>
+          <p:nvSpPr>
+            <p:cNvPr id="19" name="Rectangle 18">
+              <a:extLst>
+                <a:ext uri="{FF2B5EF4-FFF2-40B4-BE49-F238E27FC236}">
+                  <a16:creationId xmlns:a16="http://schemas.microsoft.com/office/drawing/2014/main" id="{A1A93192-CF03-0747-88B3-1F3FFE413F96}"/>
+                </a:ext>
+              </a:extLst>
+            </p:cNvPr>
+            <p:cNvSpPr/>
+            <p:nvPr/>
+          </p:nvSpPr>
+          <p:spPr>
+            <a:xfrm>
+              <a:off x="8333940" y="3169508"/>
+              <a:ext cx="2100649" cy="61784"/>
+            </a:xfrm>
+            <a:prstGeom prst="rect">
+              <a:avLst/>
+            </a:prstGeom>
+            <a:solidFill>
+              <a:schemeClr val="bg1"/>
+            </a:solidFill>
+            <a:ln>
+              <a:solidFill>
+                <a:srgbClr val="4372C5"/>
+              </a:solidFill>
+            </a:ln>
+          </p:spPr>
+          <p:style>
+            <a:lnRef idx="2">
+              <a:schemeClr val="accent2">
+                <a:shade val="50000"/>
+              </a:schemeClr>
+            </a:lnRef>
+            <a:fillRef idx="1">
+              <a:schemeClr val="accent2"/>
+            </a:fillRef>
+            <a:effectRef idx="0">
+              <a:schemeClr val="accent2"/>
+            </a:effectRef>
+            <a:fontRef idx="minor">
+              <a:schemeClr val="lt1"/>
+            </a:fontRef>
+          </p:style>
+          <p:txBody>
+            <a:bodyPr rtlCol="0" anchor="ctr"/>
+            <a:lstStyle/>
+            <a:p>
+              <a:pPr algn="ctr"/>
+              <a:endParaRPr lang="en-US"/>
+            </a:p>
+          </p:txBody>
+        </p:sp>
+        <p:sp>
+          <p:nvSpPr>
+            <p:cNvPr id="20" name="Rectangle 19">
+              <a:extLst>
+                <a:ext uri="{FF2B5EF4-FFF2-40B4-BE49-F238E27FC236}">
+                  <a16:creationId xmlns:a16="http://schemas.microsoft.com/office/drawing/2014/main" id="{835433DD-1646-CB4E-9E33-BC92AC8C7B20}"/>
+                </a:ext>
+              </a:extLst>
+            </p:cNvPr>
+            <p:cNvSpPr/>
+            <p:nvPr/>
+          </p:nvSpPr>
+          <p:spPr>
+            <a:xfrm>
+              <a:off x="8333943" y="3834713"/>
+              <a:ext cx="2100649" cy="61784"/>
+            </a:xfrm>
+            <a:prstGeom prst="rect">
+              <a:avLst/>
+            </a:prstGeom>
+            <a:noFill/>
+            <a:ln>
+              <a:solidFill>
+                <a:srgbClr val="4372C5"/>
+              </a:solidFill>
+            </a:ln>
+          </p:spPr>
+          <p:style>
+            <a:lnRef idx="2">
+              <a:schemeClr val="accent2">
+                <a:shade val="50000"/>
+              </a:schemeClr>
+            </a:lnRef>
+            <a:fillRef idx="1">
+              <a:schemeClr val="accent2"/>
+            </a:fillRef>
+            <a:effectRef idx="0">
+              <a:schemeClr val="accent2"/>
+            </a:effectRef>
+            <a:fontRef idx="minor">
+              <a:schemeClr val="lt1"/>
+            </a:fontRef>
+          </p:style>
+          <p:txBody>
+            <a:bodyPr rtlCol="0" anchor="ctr"/>
+            <a:lstStyle/>
+            <a:p>
+              <a:pPr algn="ctr"/>
+              <a:endParaRPr lang="en-US"/>
+            </a:p>
+          </p:txBody>
+        </p:sp>
+        <p:sp>
+          <p:nvSpPr>
+            <p:cNvPr id="21" name="Rectangle 20">
+              <a:extLst>
+                <a:ext uri="{FF2B5EF4-FFF2-40B4-BE49-F238E27FC236}">
+                  <a16:creationId xmlns:a16="http://schemas.microsoft.com/office/drawing/2014/main" id="{A7A4565B-08EB-E34D-85EF-CE128329B00B}"/>
+                </a:ext>
+              </a:extLst>
+            </p:cNvPr>
+            <p:cNvSpPr/>
+            <p:nvPr/>
+          </p:nvSpPr>
+          <p:spPr>
+            <a:xfrm>
+              <a:off x="8333942" y="4469026"/>
+              <a:ext cx="2100649" cy="61784"/>
+            </a:xfrm>
+            <a:prstGeom prst="rect">
+              <a:avLst/>
+            </a:prstGeom>
+            <a:solidFill>
+              <a:srgbClr val="E06D00"/>
+            </a:solidFill>
+            <a:ln>
+              <a:noFill/>
+            </a:ln>
+          </p:spPr>
+          <p:style>
+            <a:lnRef idx="2">
+              <a:schemeClr val="accent3">
+                <a:shade val="50000"/>
+              </a:schemeClr>
+            </a:lnRef>
+            <a:fillRef idx="1">
+              <a:schemeClr val="accent3"/>
+            </a:fillRef>
+            <a:effectRef idx="0">
+              <a:schemeClr val="accent3"/>
+            </a:effectRef>
+            <a:fontRef idx="minor">
+              <a:schemeClr val="lt1"/>
+            </a:fontRef>
+          </p:style>
+          <p:txBody>
+            <a:bodyPr rtlCol="0" anchor="ctr"/>
+            <a:lstStyle/>
+            <a:p>
+              <a:pPr algn="ctr"/>
+              <a:endParaRPr lang="en-US"/>
+            </a:p>
+          </p:txBody>
+        </p:sp>
+        <p:sp>
+          <p:nvSpPr>
+            <p:cNvPr id="22" name="Rectangle 21">
+              <a:extLst>
+                <a:ext uri="{FF2B5EF4-FFF2-40B4-BE49-F238E27FC236}">
+                  <a16:creationId xmlns:a16="http://schemas.microsoft.com/office/drawing/2014/main" id="{E53280AF-6B24-F746-96C5-03CC16CCBD60}"/>
+                </a:ext>
+              </a:extLst>
+            </p:cNvPr>
+            <p:cNvSpPr/>
+            <p:nvPr/>
+          </p:nvSpPr>
+          <p:spPr>
+            <a:xfrm>
+              <a:off x="8333941" y="5103339"/>
+              <a:ext cx="2100649" cy="61784"/>
+            </a:xfrm>
+            <a:prstGeom prst="rect">
+              <a:avLst/>
+            </a:prstGeom>
+            <a:noFill/>
+            <a:ln>
+              <a:solidFill>
+                <a:srgbClr val="4372C5"/>
+              </a:solidFill>
+            </a:ln>
+          </p:spPr>
+          <p:style>
+            <a:lnRef idx="2">
+              <a:schemeClr val="accent4">
+                <a:shade val="50000"/>
+              </a:schemeClr>
+            </a:lnRef>
+            <a:fillRef idx="1">
+              <a:schemeClr val="accent4"/>
+            </a:fillRef>
+            <a:effectRef idx="0">
+              <a:schemeClr val="accent4"/>
+            </a:effectRef>
+            <a:fontRef idx="minor">
+              <a:schemeClr val="lt1"/>
+            </a:fontRef>
+          </p:style>
+          <p:txBody>
+            <a:bodyPr rtlCol="0" anchor="ctr"/>
+            <a:lstStyle/>
+            <a:p>
+              <a:pPr algn="ctr"/>
+              <a:endParaRPr lang="en-US"/>
+            </a:p>
+          </p:txBody>
+        </p:sp>
+        <p:sp>
+          <p:nvSpPr>
+            <p:cNvPr id="23" name="Rectangle 22">
+              <a:extLst>
+                <a:ext uri="{FF2B5EF4-FFF2-40B4-BE49-F238E27FC236}">
+                  <a16:creationId xmlns:a16="http://schemas.microsoft.com/office/drawing/2014/main" id="{D874BF69-9CBF-0F47-9A19-894B48A98839}"/>
+                </a:ext>
+              </a:extLst>
+            </p:cNvPr>
+            <p:cNvSpPr/>
+            <p:nvPr/>
+          </p:nvSpPr>
+          <p:spPr>
+            <a:xfrm>
+              <a:off x="8333939" y="5768544"/>
+              <a:ext cx="2100649" cy="61784"/>
+            </a:xfrm>
+            <a:prstGeom prst="rect">
+              <a:avLst/>
+            </a:prstGeom>
+            <a:solidFill>
+              <a:schemeClr val="bg1"/>
+            </a:solidFill>
+            <a:ln>
+              <a:solidFill>
+                <a:srgbClr val="4372C5"/>
+              </a:solidFill>
+            </a:ln>
+          </p:spPr>
+          <p:style>
+            <a:lnRef idx="2">
+              <a:schemeClr val="accent4">
+                <a:shade val="50000"/>
+              </a:schemeClr>
+            </a:lnRef>
+            <a:fillRef idx="1">
+              <a:schemeClr val="accent4"/>
+            </a:fillRef>
+            <a:effectRef idx="0">
+              <a:schemeClr val="accent4"/>
+            </a:effectRef>
+            <a:fontRef idx="minor">
+              <a:schemeClr val="lt1"/>
+            </a:fontRef>
+          </p:style>
+          <p:txBody>
+            <a:bodyPr rtlCol="0" anchor="ctr"/>
+            <a:lstStyle/>
+            <a:p>
+              <a:pPr algn="ctr"/>
+              <a:endParaRPr lang="en-US"/>
+            </a:p>
+          </p:txBody>
+        </p:sp>
+        <p:sp>
+          <p:nvSpPr>
+            <p:cNvPr id="24" name="Rectangle 23">
+              <a:extLst>
+                <a:ext uri="{FF2B5EF4-FFF2-40B4-BE49-F238E27FC236}">
+                  <a16:creationId xmlns:a16="http://schemas.microsoft.com/office/drawing/2014/main" id="{06436379-BFFA-0247-AD76-B993E75DE480}"/>
+                </a:ext>
+              </a:extLst>
+            </p:cNvPr>
+            <p:cNvSpPr/>
+            <p:nvPr/>
+          </p:nvSpPr>
+          <p:spPr>
+            <a:xfrm>
+              <a:off x="8333938" y="2457965"/>
+              <a:ext cx="2100649" cy="61784"/>
+            </a:xfrm>
+            <a:prstGeom prst="rect">
+              <a:avLst/>
+            </a:prstGeom>
+            <a:solidFill>
+              <a:schemeClr val="bg1"/>
+            </a:solidFill>
+            <a:ln>
+              <a:solidFill>
+                <a:srgbClr val="4372C5"/>
+              </a:solidFill>
+            </a:ln>
+          </p:spPr>
+          <p:style>
+            <a:lnRef idx="2">
+              <a:schemeClr val="accent2">
+                <a:shade val="50000"/>
+              </a:schemeClr>
+            </a:lnRef>
+            <a:fillRef idx="1">
+              <a:schemeClr val="accent2"/>
+            </a:fillRef>
+            <a:effectRef idx="0">
+              <a:schemeClr val="accent2"/>
+            </a:effectRef>
+            <a:fontRef idx="minor">
+              <a:schemeClr val="lt1"/>
+            </a:fontRef>
+          </p:style>
+          <p:txBody>
+            <a:bodyPr rtlCol="0" anchor="ctr"/>
+            <a:lstStyle/>
+            <a:p>
+              <a:pPr algn="ctr"/>
+              <a:endParaRPr lang="en-US" dirty="0"/>
+            </a:p>
+          </p:txBody>
+        </p:sp>
+        <p:sp>
+          <p:nvSpPr>
+            <p:cNvPr id="25" name="Rectangle 24">
+              <a:extLst>
+                <a:ext uri="{FF2B5EF4-FFF2-40B4-BE49-F238E27FC236}">
+                  <a16:creationId xmlns:a16="http://schemas.microsoft.com/office/drawing/2014/main" id="{D37783D5-7A48-9F44-A1C0-4AF56EBB7EF9}"/>
+                </a:ext>
+              </a:extLst>
+            </p:cNvPr>
+            <p:cNvSpPr/>
+            <p:nvPr/>
+          </p:nvSpPr>
+          <p:spPr>
+            <a:xfrm>
+              <a:off x="8339422" y="6480087"/>
+              <a:ext cx="2100649" cy="61784"/>
+            </a:xfrm>
+            <a:prstGeom prst="rect">
+              <a:avLst/>
+            </a:prstGeom>
+            <a:solidFill>
+              <a:schemeClr val="bg1"/>
+            </a:solidFill>
+            <a:ln>
+              <a:solidFill>
+                <a:srgbClr val="4372C5"/>
+              </a:solidFill>
+            </a:ln>
+          </p:spPr>
+          <p:style>
+            <a:lnRef idx="2">
+              <a:schemeClr val="accent4">
+                <a:shade val="50000"/>
+              </a:schemeClr>
+            </a:lnRef>
+            <a:fillRef idx="1">
+              <a:schemeClr val="accent4"/>
+            </a:fillRef>
+            <a:effectRef idx="0">
+              <a:schemeClr val="accent4"/>
+            </a:effectRef>
+            <a:fontRef idx="minor">
+              <a:schemeClr val="lt1"/>
+            </a:fontRef>
+          </p:style>
+          <p:txBody>
+            <a:bodyPr rtlCol="0" anchor="ctr"/>
+            <a:lstStyle/>
+            <a:p>
+              <a:pPr algn="ctr"/>
+              <a:endParaRPr lang="en-US" dirty="0"/>
+            </a:p>
+          </p:txBody>
+        </p:sp>
+      </p:grpSp>
       <p:cxnSp>
         <p:nvCxnSpPr>
           <p:cNvPr id="29" name="Straight Arrow Connector 28">
@@ -12885,7 +14675,7 @@
         <p:spPr>
           <a:xfrm>
             <a:off x="0" y="0"/>
-            <a:ext cx="11055462" cy="584775"/>
+            <a:ext cx="8112221" cy="584775"/>
           </a:xfrm>
           <a:prstGeom prst="rect">
             <a:avLst/>
@@ -12900,13 +14690,8 @@
           <a:p>
             <a:r>
               <a:rPr lang="en-US" sz="3200" b="1" dirty="0"/>
-              <a:t>Use the average of three layers to initialize layers w. different </a:t>
-            </a:r>
-            <a:r>
-              <a:rPr lang="en-US" sz="3200" b="1" dirty="0" err="1"/>
-              <a:t>dz</a:t>
-            </a:r>
-            <a:endParaRPr lang="en-US" sz="3200" b="1" dirty="0"/>
+              <a:t>Use the average of three layers + add air layers</a:t>
+            </a:r>
           </a:p>
         </p:txBody>
       </p:sp>
@@ -12925,7 +14710,7 @@
         <p:spPr>
           <a:xfrm>
             <a:off x="4086374" y="4778628"/>
-            <a:ext cx="3801425" cy="1477328"/>
+            <a:ext cx="3660682" cy="1477328"/>
           </a:xfrm>
           <a:prstGeom prst="rect">
             <a:avLst/>
@@ -12959,7 +14744,7 @@
             </a:r>
             <a:r>
               <a:rPr lang="en-US" dirty="0"/>
-              <a:t> = ‘avg’;</a:t>
+              <a:t> = ‘avg1’;</a:t>
             </a:r>
           </a:p>
           <a:p>
@@ -12972,7 +14757,7 @@
             </a:r>
             <a:r>
               <a:rPr lang="en-US" dirty="0"/>
-              <a:t> = ‘edge’;</a:t>
+              <a:t> = ‘vac’;</a:t>
             </a:r>
           </a:p>
           <a:p>
@@ -12998,7 +14783,7 @@
             </a:r>
             <a:r>
               <a:rPr lang="en-US" dirty="0"/>
-              <a:t> = 0.5;</a:t>
+              <a:t> = 1;</a:t>
             </a:r>
           </a:p>
         </p:txBody>
@@ -13052,593 +14837,10 @@
           </a:p>
         </p:txBody>
       </p:sp>
-      <p:grpSp>
-        <p:nvGrpSpPr>
-          <p:cNvPr id="2" name="Group 1">
-            <a:extLst>
-              <a:ext uri="{FF2B5EF4-FFF2-40B4-BE49-F238E27FC236}">
-                <a16:creationId xmlns:a16="http://schemas.microsoft.com/office/drawing/2014/main" id="{63E8D44D-BDE6-ED43-808E-5E2DEC64CAF4}"/>
-              </a:ext>
-            </a:extLst>
-          </p:cNvPr>
-          <p:cNvGrpSpPr/>
-          <p:nvPr/>
-        </p:nvGrpSpPr>
-        <p:grpSpPr>
-          <a:xfrm>
-            <a:off x="8694968" y="3002275"/>
-            <a:ext cx="2100653" cy="2995285"/>
-            <a:chOff x="8716609" y="3169508"/>
-            <a:chExt cx="2100653" cy="2995285"/>
-          </a:xfrm>
-        </p:grpSpPr>
-        <p:grpSp>
-          <p:nvGrpSpPr>
-            <p:cNvPr id="28" name="Group 27">
-              <a:extLst>
-                <a:ext uri="{FF2B5EF4-FFF2-40B4-BE49-F238E27FC236}">
-                  <a16:creationId xmlns:a16="http://schemas.microsoft.com/office/drawing/2014/main" id="{4A453E6D-3E97-534E-A7DF-73A7EFFF5248}"/>
-                </a:ext>
-              </a:extLst>
-            </p:cNvPr>
-            <p:cNvGrpSpPr/>
-            <p:nvPr/>
-          </p:nvGrpSpPr>
-          <p:grpSpPr>
-            <a:xfrm>
-              <a:off x="8716609" y="3169508"/>
-              <a:ext cx="2100653" cy="2660820"/>
-              <a:chOff x="8333939" y="3169508"/>
-              <a:chExt cx="2100653" cy="2660820"/>
-            </a:xfrm>
-          </p:grpSpPr>
-          <p:sp>
-            <p:nvSpPr>
-              <p:cNvPr id="19" name="Rectangle 18">
-                <a:extLst>
-                  <a:ext uri="{FF2B5EF4-FFF2-40B4-BE49-F238E27FC236}">
-                    <a16:creationId xmlns:a16="http://schemas.microsoft.com/office/drawing/2014/main" id="{A1A93192-CF03-0747-88B3-1F3FFE413F96}"/>
-                  </a:ext>
-                </a:extLst>
-              </p:cNvPr>
-              <p:cNvSpPr/>
-              <p:nvPr/>
-            </p:nvSpPr>
-            <p:spPr>
-              <a:xfrm>
-                <a:off x="8333940" y="3169508"/>
-                <a:ext cx="2100649" cy="61784"/>
-              </a:xfrm>
-              <a:prstGeom prst="rect">
-                <a:avLst/>
-              </a:prstGeom>
-              <a:solidFill>
-                <a:srgbClr val="E06D00"/>
-              </a:solidFill>
-              <a:ln>
-                <a:noFill/>
-              </a:ln>
-            </p:spPr>
-            <p:style>
-              <a:lnRef idx="2">
-                <a:schemeClr val="accent2">
-                  <a:shade val="50000"/>
-                </a:schemeClr>
-              </a:lnRef>
-              <a:fillRef idx="1">
-                <a:schemeClr val="accent2"/>
-              </a:fillRef>
-              <a:effectRef idx="0">
-                <a:schemeClr val="accent2"/>
-              </a:effectRef>
-              <a:fontRef idx="minor">
-                <a:schemeClr val="lt1"/>
-              </a:fontRef>
-            </p:style>
-            <p:txBody>
-              <a:bodyPr rtlCol="0" anchor="ctr"/>
-              <a:lstStyle/>
-              <a:p>
-                <a:pPr algn="ctr"/>
-                <a:endParaRPr lang="en-US"/>
-              </a:p>
-            </p:txBody>
-          </p:sp>
-          <p:sp>
-            <p:nvSpPr>
-              <p:cNvPr id="20" name="Rectangle 19">
-                <a:extLst>
-                  <a:ext uri="{FF2B5EF4-FFF2-40B4-BE49-F238E27FC236}">
-                    <a16:creationId xmlns:a16="http://schemas.microsoft.com/office/drawing/2014/main" id="{835433DD-1646-CB4E-9E33-BC92AC8C7B20}"/>
-                  </a:ext>
-                </a:extLst>
-              </p:cNvPr>
-              <p:cNvSpPr/>
-              <p:nvPr/>
-            </p:nvSpPr>
-            <p:spPr>
-              <a:xfrm>
-                <a:off x="8333943" y="3834713"/>
-                <a:ext cx="2100649" cy="61784"/>
-              </a:xfrm>
-              <a:prstGeom prst="rect">
-                <a:avLst/>
-              </a:prstGeom>
-              <a:solidFill>
-                <a:srgbClr val="E06D00"/>
-              </a:solidFill>
-              <a:ln>
-                <a:noFill/>
-              </a:ln>
-            </p:spPr>
-            <p:style>
-              <a:lnRef idx="2">
-                <a:schemeClr val="accent2">
-                  <a:shade val="50000"/>
-                </a:schemeClr>
-              </a:lnRef>
-              <a:fillRef idx="1">
-                <a:schemeClr val="accent2"/>
-              </a:fillRef>
-              <a:effectRef idx="0">
-                <a:schemeClr val="accent2"/>
-              </a:effectRef>
-              <a:fontRef idx="minor">
-                <a:schemeClr val="lt1"/>
-              </a:fontRef>
-            </p:style>
-            <p:txBody>
-              <a:bodyPr rtlCol="0" anchor="ctr"/>
-              <a:lstStyle/>
-              <a:p>
-                <a:pPr algn="ctr"/>
-                <a:endParaRPr lang="en-US"/>
-              </a:p>
-            </p:txBody>
-          </p:sp>
-          <p:sp>
-            <p:nvSpPr>
-              <p:cNvPr id="21" name="Rectangle 20">
-                <a:extLst>
-                  <a:ext uri="{FF2B5EF4-FFF2-40B4-BE49-F238E27FC236}">
-                    <a16:creationId xmlns:a16="http://schemas.microsoft.com/office/drawing/2014/main" id="{A7A4565B-08EB-E34D-85EF-CE128329B00B}"/>
-                  </a:ext>
-                </a:extLst>
-              </p:cNvPr>
-              <p:cNvSpPr/>
-              <p:nvPr/>
-            </p:nvSpPr>
-            <p:spPr>
-              <a:xfrm>
-                <a:off x="8333942" y="4469026"/>
-                <a:ext cx="2100649" cy="61784"/>
-              </a:xfrm>
-              <a:prstGeom prst="rect">
-                <a:avLst/>
-              </a:prstGeom>
-              <a:solidFill>
-                <a:srgbClr val="E06D00"/>
-              </a:solidFill>
-              <a:ln>
-                <a:noFill/>
-              </a:ln>
-            </p:spPr>
-            <p:style>
-              <a:lnRef idx="2">
-                <a:schemeClr val="accent3">
-                  <a:shade val="50000"/>
-                </a:schemeClr>
-              </a:lnRef>
-              <a:fillRef idx="1">
-                <a:schemeClr val="accent3"/>
-              </a:fillRef>
-              <a:effectRef idx="0">
-                <a:schemeClr val="accent3"/>
-              </a:effectRef>
-              <a:fontRef idx="minor">
-                <a:schemeClr val="lt1"/>
-              </a:fontRef>
-            </p:style>
-            <p:txBody>
-              <a:bodyPr rtlCol="0" anchor="ctr"/>
-              <a:lstStyle/>
-              <a:p>
-                <a:pPr algn="ctr"/>
-                <a:endParaRPr lang="en-US"/>
-              </a:p>
-            </p:txBody>
-          </p:sp>
-          <p:sp>
-            <p:nvSpPr>
-              <p:cNvPr id="22" name="Rectangle 21">
-                <a:extLst>
-                  <a:ext uri="{FF2B5EF4-FFF2-40B4-BE49-F238E27FC236}">
-                    <a16:creationId xmlns:a16="http://schemas.microsoft.com/office/drawing/2014/main" id="{E53280AF-6B24-F746-96C5-03CC16CCBD60}"/>
-                  </a:ext>
-                </a:extLst>
-              </p:cNvPr>
-              <p:cNvSpPr/>
-              <p:nvPr/>
-            </p:nvSpPr>
-            <p:spPr>
-              <a:xfrm>
-                <a:off x="8333941" y="5103339"/>
-                <a:ext cx="2100649" cy="61784"/>
-              </a:xfrm>
-              <a:prstGeom prst="rect">
-                <a:avLst/>
-              </a:prstGeom>
-              <a:solidFill>
-                <a:srgbClr val="E06D00"/>
-              </a:solidFill>
-              <a:ln>
-                <a:noFill/>
-              </a:ln>
-            </p:spPr>
-            <p:style>
-              <a:lnRef idx="2">
-                <a:schemeClr val="accent4">
-                  <a:shade val="50000"/>
-                </a:schemeClr>
-              </a:lnRef>
-              <a:fillRef idx="1">
-                <a:schemeClr val="accent4"/>
-              </a:fillRef>
-              <a:effectRef idx="0">
-                <a:schemeClr val="accent4"/>
-              </a:effectRef>
-              <a:fontRef idx="minor">
-                <a:schemeClr val="lt1"/>
-              </a:fontRef>
-            </p:style>
-            <p:txBody>
-              <a:bodyPr rtlCol="0" anchor="ctr"/>
-              <a:lstStyle/>
-              <a:p>
-                <a:pPr algn="ctr"/>
-                <a:endParaRPr lang="en-US"/>
-              </a:p>
-            </p:txBody>
-          </p:sp>
-          <p:sp>
-            <p:nvSpPr>
-              <p:cNvPr id="23" name="Rectangle 22">
-                <a:extLst>
-                  <a:ext uri="{FF2B5EF4-FFF2-40B4-BE49-F238E27FC236}">
-                    <a16:creationId xmlns:a16="http://schemas.microsoft.com/office/drawing/2014/main" id="{D874BF69-9CBF-0F47-9A19-894B48A98839}"/>
-                  </a:ext>
-                </a:extLst>
-              </p:cNvPr>
-              <p:cNvSpPr/>
-              <p:nvPr/>
-            </p:nvSpPr>
-            <p:spPr>
-              <a:xfrm>
-                <a:off x="8333939" y="5768544"/>
-                <a:ext cx="2100649" cy="61784"/>
-              </a:xfrm>
-              <a:prstGeom prst="rect">
-                <a:avLst/>
-              </a:prstGeom>
-              <a:solidFill>
-                <a:srgbClr val="E06D00"/>
-              </a:solidFill>
-              <a:ln>
-                <a:noFill/>
-              </a:ln>
-            </p:spPr>
-            <p:style>
-              <a:lnRef idx="2">
-                <a:schemeClr val="accent4">
-                  <a:shade val="50000"/>
-                </a:schemeClr>
-              </a:lnRef>
-              <a:fillRef idx="1">
-                <a:schemeClr val="accent4"/>
-              </a:fillRef>
-              <a:effectRef idx="0">
-                <a:schemeClr val="accent4"/>
-              </a:effectRef>
-              <a:fontRef idx="minor">
-                <a:schemeClr val="lt1"/>
-              </a:fontRef>
-            </p:style>
-            <p:txBody>
-              <a:bodyPr rtlCol="0" anchor="ctr"/>
-              <a:lstStyle/>
-              <a:p>
-                <a:pPr algn="ctr"/>
-                <a:endParaRPr lang="en-US"/>
-              </a:p>
-            </p:txBody>
-          </p:sp>
-        </p:grpSp>
-        <p:grpSp>
-          <p:nvGrpSpPr>
-            <p:cNvPr id="31" name="Group 30">
-              <a:extLst>
-                <a:ext uri="{FF2B5EF4-FFF2-40B4-BE49-F238E27FC236}">
-                  <a16:creationId xmlns:a16="http://schemas.microsoft.com/office/drawing/2014/main" id="{237E76E9-BF2B-DD47-8FA6-078673188681}"/>
-                </a:ext>
-              </a:extLst>
-            </p:cNvPr>
-            <p:cNvGrpSpPr/>
-            <p:nvPr/>
-          </p:nvGrpSpPr>
-          <p:grpSpPr>
-            <a:xfrm>
-              <a:off x="8716609" y="3503973"/>
-              <a:ext cx="2100653" cy="2660820"/>
-              <a:chOff x="8333939" y="3169508"/>
-              <a:chExt cx="2100653" cy="2660820"/>
-            </a:xfrm>
-          </p:grpSpPr>
-          <p:sp>
-            <p:nvSpPr>
-              <p:cNvPr id="32" name="Rectangle 31">
-                <a:extLst>
-                  <a:ext uri="{FF2B5EF4-FFF2-40B4-BE49-F238E27FC236}">
-                    <a16:creationId xmlns:a16="http://schemas.microsoft.com/office/drawing/2014/main" id="{D9942C36-6985-B54D-9C15-B9783E364CCF}"/>
-                  </a:ext>
-                </a:extLst>
-              </p:cNvPr>
-              <p:cNvSpPr/>
-              <p:nvPr/>
-            </p:nvSpPr>
-            <p:spPr>
-              <a:xfrm>
-                <a:off x="8333940" y="3169508"/>
-                <a:ext cx="2100649" cy="61784"/>
-              </a:xfrm>
-              <a:prstGeom prst="rect">
-                <a:avLst/>
-              </a:prstGeom>
-              <a:solidFill>
-                <a:srgbClr val="E06D00"/>
-              </a:solidFill>
-              <a:ln>
-                <a:noFill/>
-              </a:ln>
-            </p:spPr>
-            <p:style>
-              <a:lnRef idx="2">
-                <a:schemeClr val="accent2">
-                  <a:shade val="50000"/>
-                </a:schemeClr>
-              </a:lnRef>
-              <a:fillRef idx="1">
-                <a:schemeClr val="accent2"/>
-              </a:fillRef>
-              <a:effectRef idx="0">
-                <a:schemeClr val="accent2"/>
-              </a:effectRef>
-              <a:fontRef idx="minor">
-                <a:schemeClr val="lt1"/>
-              </a:fontRef>
-            </p:style>
-            <p:txBody>
-              <a:bodyPr rtlCol="0" anchor="ctr"/>
-              <a:lstStyle/>
-              <a:p>
-                <a:pPr algn="ctr"/>
-                <a:endParaRPr lang="en-US"/>
-              </a:p>
-            </p:txBody>
-          </p:sp>
-          <p:sp>
-            <p:nvSpPr>
-              <p:cNvPr id="33" name="Rectangle 32">
-                <a:extLst>
-                  <a:ext uri="{FF2B5EF4-FFF2-40B4-BE49-F238E27FC236}">
-                    <a16:creationId xmlns:a16="http://schemas.microsoft.com/office/drawing/2014/main" id="{EBD26C88-3211-6E47-BD8F-97AD6F5CC8E5}"/>
-                  </a:ext>
-                </a:extLst>
-              </p:cNvPr>
-              <p:cNvSpPr/>
-              <p:nvPr/>
-            </p:nvSpPr>
-            <p:spPr>
-              <a:xfrm>
-                <a:off x="8333943" y="3834713"/>
-                <a:ext cx="2100649" cy="61784"/>
-              </a:xfrm>
-              <a:prstGeom prst="rect">
-                <a:avLst/>
-              </a:prstGeom>
-              <a:solidFill>
-                <a:srgbClr val="E06D00"/>
-              </a:solidFill>
-              <a:ln>
-                <a:noFill/>
-              </a:ln>
-            </p:spPr>
-            <p:style>
-              <a:lnRef idx="2">
-                <a:schemeClr val="accent2">
-                  <a:shade val="50000"/>
-                </a:schemeClr>
-              </a:lnRef>
-              <a:fillRef idx="1">
-                <a:schemeClr val="accent2"/>
-              </a:fillRef>
-              <a:effectRef idx="0">
-                <a:schemeClr val="accent2"/>
-              </a:effectRef>
-              <a:fontRef idx="minor">
-                <a:schemeClr val="lt1"/>
-              </a:fontRef>
-            </p:style>
-            <p:txBody>
-              <a:bodyPr rtlCol="0" anchor="ctr"/>
-              <a:lstStyle/>
-              <a:p>
-                <a:pPr algn="ctr"/>
-                <a:endParaRPr lang="en-US"/>
-              </a:p>
-            </p:txBody>
-          </p:sp>
-          <p:sp>
-            <p:nvSpPr>
-              <p:cNvPr id="34" name="Rectangle 33">
-                <a:extLst>
-                  <a:ext uri="{FF2B5EF4-FFF2-40B4-BE49-F238E27FC236}">
-                    <a16:creationId xmlns:a16="http://schemas.microsoft.com/office/drawing/2014/main" id="{5CA7B1DF-FEA5-814A-B258-64B97FA571B5}"/>
-                  </a:ext>
-                </a:extLst>
-              </p:cNvPr>
-              <p:cNvSpPr/>
-              <p:nvPr/>
-            </p:nvSpPr>
-            <p:spPr>
-              <a:xfrm>
-                <a:off x="8333942" y="4469026"/>
-                <a:ext cx="2100649" cy="61784"/>
-              </a:xfrm>
-              <a:prstGeom prst="rect">
-                <a:avLst/>
-              </a:prstGeom>
-              <a:solidFill>
-                <a:srgbClr val="E06D00"/>
-              </a:solidFill>
-              <a:ln>
-                <a:noFill/>
-              </a:ln>
-            </p:spPr>
-            <p:style>
-              <a:lnRef idx="2">
-                <a:schemeClr val="accent3">
-                  <a:shade val="50000"/>
-                </a:schemeClr>
-              </a:lnRef>
-              <a:fillRef idx="1">
-                <a:schemeClr val="accent3"/>
-              </a:fillRef>
-              <a:effectRef idx="0">
-                <a:schemeClr val="accent3"/>
-              </a:effectRef>
-              <a:fontRef idx="minor">
-                <a:schemeClr val="lt1"/>
-              </a:fontRef>
-            </p:style>
-            <p:txBody>
-              <a:bodyPr rtlCol="0" anchor="ctr"/>
-              <a:lstStyle/>
-              <a:p>
-                <a:pPr algn="ctr"/>
-                <a:endParaRPr lang="en-US"/>
-              </a:p>
-            </p:txBody>
-          </p:sp>
-          <p:sp>
-            <p:nvSpPr>
-              <p:cNvPr id="35" name="Rectangle 34">
-                <a:extLst>
-                  <a:ext uri="{FF2B5EF4-FFF2-40B4-BE49-F238E27FC236}">
-                    <a16:creationId xmlns:a16="http://schemas.microsoft.com/office/drawing/2014/main" id="{7C54673F-24D3-4B42-9578-4E33917557D8}"/>
-                  </a:ext>
-                </a:extLst>
-              </p:cNvPr>
-              <p:cNvSpPr/>
-              <p:nvPr/>
-            </p:nvSpPr>
-            <p:spPr>
-              <a:xfrm>
-                <a:off x="8333941" y="5103339"/>
-                <a:ext cx="2100649" cy="61784"/>
-              </a:xfrm>
-              <a:prstGeom prst="rect">
-                <a:avLst/>
-              </a:prstGeom>
-              <a:solidFill>
-                <a:srgbClr val="E06D00"/>
-              </a:solidFill>
-              <a:ln>
-                <a:noFill/>
-              </a:ln>
-            </p:spPr>
-            <p:style>
-              <a:lnRef idx="2">
-                <a:schemeClr val="accent4">
-                  <a:shade val="50000"/>
-                </a:schemeClr>
-              </a:lnRef>
-              <a:fillRef idx="1">
-                <a:schemeClr val="accent4"/>
-              </a:fillRef>
-              <a:effectRef idx="0">
-                <a:schemeClr val="accent4"/>
-              </a:effectRef>
-              <a:fontRef idx="minor">
-                <a:schemeClr val="lt1"/>
-              </a:fontRef>
-            </p:style>
-            <p:txBody>
-              <a:bodyPr rtlCol="0" anchor="ctr"/>
-              <a:lstStyle/>
-              <a:p>
-                <a:pPr algn="ctr"/>
-                <a:endParaRPr lang="en-US"/>
-              </a:p>
-            </p:txBody>
-          </p:sp>
-          <p:sp>
-            <p:nvSpPr>
-              <p:cNvPr id="36" name="Rectangle 35">
-                <a:extLst>
-                  <a:ext uri="{FF2B5EF4-FFF2-40B4-BE49-F238E27FC236}">
-                    <a16:creationId xmlns:a16="http://schemas.microsoft.com/office/drawing/2014/main" id="{04BE0417-547A-B247-8A22-2BD85AD95F6C}"/>
-                  </a:ext>
-                </a:extLst>
-              </p:cNvPr>
-              <p:cNvSpPr/>
-              <p:nvPr/>
-            </p:nvSpPr>
-            <p:spPr>
-              <a:xfrm>
-                <a:off x="8333939" y="5768544"/>
-                <a:ext cx="2100649" cy="61784"/>
-              </a:xfrm>
-              <a:prstGeom prst="rect">
-                <a:avLst/>
-              </a:prstGeom>
-              <a:solidFill>
-                <a:srgbClr val="E06D00"/>
-              </a:solidFill>
-              <a:ln>
-                <a:noFill/>
-              </a:ln>
-            </p:spPr>
-            <p:style>
-              <a:lnRef idx="2">
-                <a:schemeClr val="accent4">
-                  <a:shade val="50000"/>
-                </a:schemeClr>
-              </a:lnRef>
-              <a:fillRef idx="1">
-                <a:schemeClr val="accent4"/>
-              </a:fillRef>
-              <a:effectRef idx="0">
-                <a:schemeClr val="accent4"/>
-              </a:effectRef>
-              <a:fontRef idx="minor">
-                <a:schemeClr val="lt1"/>
-              </a:fontRef>
-            </p:style>
-            <p:txBody>
-              <a:bodyPr rtlCol="0" anchor="ctr"/>
-              <a:lstStyle/>
-              <a:p>
-                <a:pPr algn="ctr"/>
-                <a:endParaRPr lang="en-US"/>
-              </a:p>
-            </p:txBody>
-          </p:sp>
-        </p:grpSp>
-      </p:grpSp>
     </p:spTree>
     <p:extLst>
       <p:ext uri="{BB962C8B-B14F-4D97-AF65-F5344CB8AC3E}">
-        <p14:creationId xmlns:p14="http://schemas.microsoft.com/office/powerpoint/2010/main" val="3341247724"/>
+        <p14:creationId xmlns:p14="http://schemas.microsoft.com/office/powerpoint/2010/main" val="1328171624"/>
       </p:ext>
     </p:extLst>
   </p:cSld>
